--- a/makale_calismalari/one_lag.pptx
+++ b/makale_calismalari/one_lag.pptx
@@ -4,10 +4,13 @@
   <p:sldMasterIdLst>
     <p:sldMasterId id="2147483648" r:id="rId1"/>
   </p:sldMasterIdLst>
+  <p:notesMasterIdLst>
+    <p:notesMasterId r:id="rId3"/>
+  </p:notesMasterIdLst>
   <p:sldIdLst>
     <p:sldId id="256" r:id="rId2"/>
   </p:sldIdLst>
-  <p:sldSz cx="9144000" cy="6858000" type="screen4x3"/>
+  <p:sldSz cx="6858000" cy="9906000" type="A4"/>
   <p:notesSz cx="6858000" cy="9144000"/>
   <p:defaultTextStyle>
     <a:defPPr>
@@ -104,7 +107,460 @@
       </a:defRPr>
     </a:lvl9pPr>
   </p:defaultTextStyle>
+  <p:extLst>
+    <p:ext uri="{EFAFB233-063F-42B5-8137-9DF3F51BA10A}">
+      <p15:sldGuideLst xmlns:p15="http://schemas.microsoft.com/office/powerpoint/2012/main" xmlns="">
+        <p15:guide id="1" orient="horz" pos="3120" userDrawn="1">
+          <p15:clr>
+            <a:srgbClr val="A4A3A4"/>
+          </p15:clr>
+        </p15:guide>
+        <p15:guide id="2" pos="2160" userDrawn="1">
+          <p15:clr>
+            <a:srgbClr val="A4A3A4"/>
+          </p15:clr>
+        </p15:guide>
+      </p15:sldGuideLst>
+    </p:ext>
+  </p:extLst>
 </p:presentation>
+</file>
+
+<file path=ppt/notesMasters/notesMaster1.xml><?xml version="1.0" encoding="utf-8"?>
+<p:notesMaster xmlns:a="http://schemas.openxmlformats.org/drawingml/2006/main" xmlns:r="http://schemas.openxmlformats.org/officeDocument/2006/relationships" xmlns:p="http://schemas.openxmlformats.org/presentationml/2006/main">
+  <p:cSld>
+    <p:bg>
+      <p:bgRef idx="1001">
+        <a:schemeClr val="bg1"/>
+      </p:bgRef>
+    </p:bg>
+    <p:spTree>
+      <p:nvGrpSpPr>
+        <p:cNvPr id="1" name=""/>
+        <p:cNvGrpSpPr/>
+        <p:nvPr/>
+      </p:nvGrpSpPr>
+      <p:grpSpPr>
+        <a:xfrm>
+          <a:off x="0" y="0"/>
+          <a:ext cx="0" cy="0"/>
+          <a:chOff x="0" y="0"/>
+          <a:chExt cx="0" cy="0"/>
+        </a:xfrm>
+      </p:grpSpPr>
+      <p:sp>
+        <p:nvSpPr>
+          <p:cNvPr id="2" name="Header Placeholder 1"/>
+          <p:cNvSpPr>
+            <a:spLocks noGrp="1"/>
+          </p:cNvSpPr>
+          <p:nvPr>
+            <p:ph type="hdr" sz="quarter"/>
+          </p:nvPr>
+        </p:nvSpPr>
+        <p:spPr>
+          <a:xfrm>
+            <a:off x="0" y="0"/>
+            <a:ext cx="2971800" cy="458788"/>
+          </a:xfrm>
+          <a:prstGeom prst="rect">
+            <a:avLst/>
+          </a:prstGeom>
+        </p:spPr>
+        <p:txBody>
+          <a:bodyPr vert="horz" lIns="91440" tIns="45720" rIns="91440" bIns="45720" rtlCol="0"/>
+          <a:lstStyle>
+            <a:lvl1pPr algn="l">
+              <a:defRPr sz="1200"/>
+            </a:lvl1pPr>
+          </a:lstStyle>
+          <a:p>
+            <a:endParaRPr lang="en-US"/>
+          </a:p>
+        </p:txBody>
+      </p:sp>
+      <p:sp>
+        <p:nvSpPr>
+          <p:cNvPr id="3" name="Date Placeholder 2"/>
+          <p:cNvSpPr>
+            <a:spLocks noGrp="1"/>
+          </p:cNvSpPr>
+          <p:nvPr>
+            <p:ph type="dt" idx="1"/>
+          </p:nvPr>
+        </p:nvSpPr>
+        <p:spPr>
+          <a:xfrm>
+            <a:off x="3884613" y="0"/>
+            <a:ext cx="2971800" cy="458788"/>
+          </a:xfrm>
+          <a:prstGeom prst="rect">
+            <a:avLst/>
+          </a:prstGeom>
+        </p:spPr>
+        <p:txBody>
+          <a:bodyPr vert="horz" lIns="91440" tIns="45720" rIns="91440" bIns="45720" rtlCol="0"/>
+          <a:lstStyle>
+            <a:lvl1pPr algn="r">
+              <a:defRPr sz="1200"/>
+            </a:lvl1pPr>
+          </a:lstStyle>
+          <a:p>
+            <a:fld id="{3BB5F3C8-D018-439C-9D06-7DFDC4219A5C}" type="datetimeFigureOut">
+              <a:rPr lang="en-US" smtClean="0"/>
+              <a:pPr/>
+              <a:t>1/4/2019</a:t>
+            </a:fld>
+            <a:endParaRPr lang="en-US"/>
+          </a:p>
+        </p:txBody>
+      </p:sp>
+      <p:sp>
+        <p:nvSpPr>
+          <p:cNvPr id="4" name="Slide Image Placeholder 3"/>
+          <p:cNvSpPr>
+            <a:spLocks noGrp="1" noRot="1" noChangeAspect="1"/>
+          </p:cNvSpPr>
+          <p:nvPr>
+            <p:ph type="sldImg" idx="2"/>
+          </p:nvPr>
+        </p:nvSpPr>
+        <p:spPr>
+          <a:xfrm>
+            <a:off x="2360613" y="1143000"/>
+            <a:ext cx="2136775" cy="3086100"/>
+          </a:xfrm>
+          <a:prstGeom prst="rect">
+            <a:avLst/>
+          </a:prstGeom>
+          <a:noFill/>
+          <a:ln w="12700">
+            <a:solidFill>
+              <a:prstClr val="black"/>
+            </a:solidFill>
+          </a:ln>
+        </p:spPr>
+        <p:txBody>
+          <a:bodyPr vert="horz" lIns="91440" tIns="45720" rIns="91440" bIns="45720" rtlCol="0" anchor="ctr"/>
+          <a:lstStyle/>
+          <a:p>
+            <a:endParaRPr lang="en-US"/>
+          </a:p>
+        </p:txBody>
+      </p:sp>
+      <p:sp>
+        <p:nvSpPr>
+          <p:cNvPr id="5" name="Notes Placeholder 4"/>
+          <p:cNvSpPr>
+            <a:spLocks noGrp="1"/>
+          </p:cNvSpPr>
+          <p:nvPr>
+            <p:ph type="body" sz="quarter" idx="3"/>
+          </p:nvPr>
+        </p:nvSpPr>
+        <p:spPr>
+          <a:xfrm>
+            <a:off x="685800" y="4400550"/>
+            <a:ext cx="5486400" cy="3600450"/>
+          </a:xfrm>
+          <a:prstGeom prst="rect">
+            <a:avLst/>
+          </a:prstGeom>
+        </p:spPr>
+        <p:txBody>
+          <a:bodyPr vert="horz" lIns="91440" tIns="45720" rIns="91440" bIns="45720" rtlCol="0"/>
+          <a:lstStyle/>
+          <a:p>
+            <a:pPr lvl="0"/>
+            <a:r>
+              <a:rPr lang="en-US" smtClean="0"/>
+              <a:t>Click to edit Master text styles</a:t>
+            </a:r>
+          </a:p>
+          <a:p>
+            <a:pPr lvl="1"/>
+            <a:r>
+              <a:rPr lang="en-US" smtClean="0"/>
+              <a:t>Second level</a:t>
+            </a:r>
+          </a:p>
+          <a:p>
+            <a:pPr lvl="2"/>
+            <a:r>
+              <a:rPr lang="en-US" smtClean="0"/>
+              <a:t>Third level</a:t>
+            </a:r>
+          </a:p>
+          <a:p>
+            <a:pPr lvl="3"/>
+            <a:r>
+              <a:rPr lang="en-US" smtClean="0"/>
+              <a:t>Fourth level</a:t>
+            </a:r>
+          </a:p>
+          <a:p>
+            <a:pPr lvl="4"/>
+            <a:r>
+              <a:rPr lang="en-US" smtClean="0"/>
+              <a:t>Fifth level</a:t>
+            </a:r>
+            <a:endParaRPr lang="en-US"/>
+          </a:p>
+        </p:txBody>
+      </p:sp>
+      <p:sp>
+        <p:nvSpPr>
+          <p:cNvPr id="6" name="Footer Placeholder 5"/>
+          <p:cNvSpPr>
+            <a:spLocks noGrp="1"/>
+          </p:cNvSpPr>
+          <p:nvPr>
+            <p:ph type="ftr" sz="quarter" idx="4"/>
+          </p:nvPr>
+        </p:nvSpPr>
+        <p:spPr>
+          <a:xfrm>
+            <a:off x="0" y="8685213"/>
+            <a:ext cx="2971800" cy="458787"/>
+          </a:xfrm>
+          <a:prstGeom prst="rect">
+            <a:avLst/>
+          </a:prstGeom>
+        </p:spPr>
+        <p:txBody>
+          <a:bodyPr vert="horz" lIns="91440" tIns="45720" rIns="91440" bIns="45720" rtlCol="0" anchor="b"/>
+          <a:lstStyle>
+            <a:lvl1pPr algn="l">
+              <a:defRPr sz="1200"/>
+            </a:lvl1pPr>
+          </a:lstStyle>
+          <a:p>
+            <a:endParaRPr lang="en-US"/>
+          </a:p>
+        </p:txBody>
+      </p:sp>
+      <p:sp>
+        <p:nvSpPr>
+          <p:cNvPr id="7" name="Slide Number Placeholder 6"/>
+          <p:cNvSpPr>
+            <a:spLocks noGrp="1"/>
+          </p:cNvSpPr>
+          <p:nvPr>
+            <p:ph type="sldNum" sz="quarter" idx="5"/>
+          </p:nvPr>
+        </p:nvSpPr>
+        <p:spPr>
+          <a:xfrm>
+            <a:off x="3884613" y="8685213"/>
+            <a:ext cx="2971800" cy="458787"/>
+          </a:xfrm>
+          <a:prstGeom prst="rect">
+            <a:avLst/>
+          </a:prstGeom>
+        </p:spPr>
+        <p:txBody>
+          <a:bodyPr vert="horz" lIns="91440" tIns="45720" rIns="91440" bIns="45720" rtlCol="0" anchor="b"/>
+          <a:lstStyle>
+            <a:lvl1pPr algn="r">
+              <a:defRPr sz="1200"/>
+            </a:lvl1pPr>
+          </a:lstStyle>
+          <a:p>
+            <a:fld id="{3CB1C3CE-1ED4-43C9-BE4C-CB4D422EB10D}" type="slidenum">
+              <a:rPr lang="en-US" smtClean="0"/>
+              <a:pPr/>
+              <a:t>‹#›</a:t>
+            </a:fld>
+            <a:endParaRPr lang="en-US"/>
+          </a:p>
+        </p:txBody>
+      </p:sp>
+    </p:spTree>
+    <p:extLst>
+      <p:ext uri="{BB962C8B-B14F-4D97-AF65-F5344CB8AC3E}">
+        <p14:creationId xmlns:p14="http://schemas.microsoft.com/office/powerpoint/2010/main" xmlns="" val="1039206789"/>
+      </p:ext>
+    </p:extLst>
+  </p:cSld>
+  <p:clrMap bg1="lt1" tx1="dk1" bg2="lt2" tx2="dk2" accent1="accent1" accent2="accent2" accent3="accent3" accent4="accent4" accent5="accent5" accent6="accent6" hlink="hlink" folHlink="folHlink"/>
+  <p:notesStyle>
+    <a:lvl1pPr marL="0" algn="l" defTabSz="914400" rtl="0" eaLnBrk="1" latinLnBrk="0" hangingPunct="1">
+      <a:defRPr sz="1200" kern="1200">
+        <a:solidFill>
+          <a:schemeClr val="tx1"/>
+        </a:solidFill>
+        <a:latin typeface="+mn-lt"/>
+        <a:ea typeface="+mn-ea"/>
+        <a:cs typeface="+mn-cs"/>
+      </a:defRPr>
+    </a:lvl1pPr>
+    <a:lvl2pPr marL="457200" algn="l" defTabSz="914400" rtl="0" eaLnBrk="1" latinLnBrk="0" hangingPunct="1">
+      <a:defRPr sz="1200" kern="1200">
+        <a:solidFill>
+          <a:schemeClr val="tx1"/>
+        </a:solidFill>
+        <a:latin typeface="+mn-lt"/>
+        <a:ea typeface="+mn-ea"/>
+        <a:cs typeface="+mn-cs"/>
+      </a:defRPr>
+    </a:lvl2pPr>
+    <a:lvl3pPr marL="914400" algn="l" defTabSz="914400" rtl="0" eaLnBrk="1" latinLnBrk="0" hangingPunct="1">
+      <a:defRPr sz="1200" kern="1200">
+        <a:solidFill>
+          <a:schemeClr val="tx1"/>
+        </a:solidFill>
+        <a:latin typeface="+mn-lt"/>
+        <a:ea typeface="+mn-ea"/>
+        <a:cs typeface="+mn-cs"/>
+      </a:defRPr>
+    </a:lvl3pPr>
+    <a:lvl4pPr marL="1371600" algn="l" defTabSz="914400" rtl="0" eaLnBrk="1" latinLnBrk="0" hangingPunct="1">
+      <a:defRPr sz="1200" kern="1200">
+        <a:solidFill>
+          <a:schemeClr val="tx1"/>
+        </a:solidFill>
+        <a:latin typeface="+mn-lt"/>
+        <a:ea typeface="+mn-ea"/>
+        <a:cs typeface="+mn-cs"/>
+      </a:defRPr>
+    </a:lvl4pPr>
+    <a:lvl5pPr marL="1828800" algn="l" defTabSz="914400" rtl="0" eaLnBrk="1" latinLnBrk="0" hangingPunct="1">
+      <a:defRPr sz="1200" kern="1200">
+        <a:solidFill>
+          <a:schemeClr val="tx1"/>
+        </a:solidFill>
+        <a:latin typeface="+mn-lt"/>
+        <a:ea typeface="+mn-ea"/>
+        <a:cs typeface="+mn-cs"/>
+      </a:defRPr>
+    </a:lvl5pPr>
+    <a:lvl6pPr marL="2286000" algn="l" defTabSz="914400" rtl="0" eaLnBrk="1" latinLnBrk="0" hangingPunct="1">
+      <a:defRPr sz="1200" kern="1200">
+        <a:solidFill>
+          <a:schemeClr val="tx1"/>
+        </a:solidFill>
+        <a:latin typeface="+mn-lt"/>
+        <a:ea typeface="+mn-ea"/>
+        <a:cs typeface="+mn-cs"/>
+      </a:defRPr>
+    </a:lvl6pPr>
+    <a:lvl7pPr marL="2743200" algn="l" defTabSz="914400" rtl="0" eaLnBrk="1" latinLnBrk="0" hangingPunct="1">
+      <a:defRPr sz="1200" kern="1200">
+        <a:solidFill>
+          <a:schemeClr val="tx1"/>
+        </a:solidFill>
+        <a:latin typeface="+mn-lt"/>
+        <a:ea typeface="+mn-ea"/>
+        <a:cs typeface="+mn-cs"/>
+      </a:defRPr>
+    </a:lvl7pPr>
+    <a:lvl8pPr marL="3200400" algn="l" defTabSz="914400" rtl="0" eaLnBrk="1" latinLnBrk="0" hangingPunct="1">
+      <a:defRPr sz="1200" kern="1200">
+        <a:solidFill>
+          <a:schemeClr val="tx1"/>
+        </a:solidFill>
+        <a:latin typeface="+mn-lt"/>
+        <a:ea typeface="+mn-ea"/>
+        <a:cs typeface="+mn-cs"/>
+      </a:defRPr>
+    </a:lvl8pPr>
+    <a:lvl9pPr marL="3657600" algn="l" defTabSz="914400" rtl="0" eaLnBrk="1" latinLnBrk="0" hangingPunct="1">
+      <a:defRPr sz="1200" kern="1200">
+        <a:solidFill>
+          <a:schemeClr val="tx1"/>
+        </a:solidFill>
+        <a:latin typeface="+mn-lt"/>
+        <a:ea typeface="+mn-ea"/>
+        <a:cs typeface="+mn-cs"/>
+      </a:defRPr>
+    </a:lvl9pPr>
+  </p:notesStyle>
+</p:notesMaster>
+</file>
+
+<file path=ppt/notesSlides/notesSlide1.xml><?xml version="1.0" encoding="utf-8"?>
+<p:notes xmlns:a="http://schemas.openxmlformats.org/drawingml/2006/main" xmlns:r="http://schemas.openxmlformats.org/officeDocument/2006/relationships" xmlns:p="http://schemas.openxmlformats.org/presentationml/2006/main">
+  <p:cSld>
+    <p:spTree>
+      <p:nvGrpSpPr>
+        <p:cNvPr id="1" name=""/>
+        <p:cNvGrpSpPr/>
+        <p:nvPr/>
+      </p:nvGrpSpPr>
+      <p:grpSpPr>
+        <a:xfrm>
+          <a:off x="0" y="0"/>
+          <a:ext cx="0" cy="0"/>
+          <a:chOff x="0" y="0"/>
+          <a:chExt cx="0" cy="0"/>
+        </a:xfrm>
+      </p:grpSpPr>
+      <p:sp>
+        <p:nvSpPr>
+          <p:cNvPr id="2" name="Slide Image Placeholder 1"/>
+          <p:cNvSpPr>
+            <a:spLocks noGrp="1" noRot="1" noChangeAspect="1"/>
+          </p:cNvSpPr>
+          <p:nvPr>
+            <p:ph type="sldImg"/>
+          </p:nvPr>
+        </p:nvSpPr>
+        <p:spPr/>
+      </p:sp>
+      <p:sp>
+        <p:nvSpPr>
+          <p:cNvPr id="3" name="Notes Placeholder 2"/>
+          <p:cNvSpPr>
+            <a:spLocks noGrp="1"/>
+          </p:cNvSpPr>
+          <p:nvPr>
+            <p:ph type="body" idx="1"/>
+          </p:nvPr>
+        </p:nvSpPr>
+        <p:spPr/>
+        <p:txBody>
+          <a:bodyPr/>
+          <a:lstStyle/>
+          <a:p>
+            <a:endParaRPr lang="en-US" dirty="0"/>
+          </a:p>
+        </p:txBody>
+      </p:sp>
+      <p:sp>
+        <p:nvSpPr>
+          <p:cNvPr id="4" name="Slide Number Placeholder 3"/>
+          <p:cNvSpPr>
+            <a:spLocks noGrp="1"/>
+          </p:cNvSpPr>
+          <p:nvPr>
+            <p:ph type="sldNum" sz="quarter" idx="10"/>
+          </p:nvPr>
+        </p:nvSpPr>
+        <p:spPr/>
+        <p:txBody>
+          <a:bodyPr/>
+          <a:lstStyle/>
+          <a:p>
+            <a:fld id="{3CB1C3CE-1ED4-43C9-BE4C-CB4D422EB10D}" type="slidenum">
+              <a:rPr lang="en-US" smtClean="0"/>
+              <a:pPr/>
+              <a:t>1</a:t>
+            </a:fld>
+            <a:endParaRPr lang="en-US"/>
+          </a:p>
+        </p:txBody>
+      </p:sp>
+    </p:spTree>
+    <p:extLst>
+      <p:ext uri="{BB962C8B-B14F-4D97-AF65-F5344CB8AC3E}">
+        <p14:creationId xmlns:p14="http://schemas.microsoft.com/office/powerpoint/2010/main" xmlns="" val="3772417743"/>
+      </p:ext>
+    </p:extLst>
+  </p:cSld>
+  <p:clrMapOvr>
+    <a:masterClrMapping/>
+  </p:clrMapOvr>
+</p:notes>
 </file>
 
 <file path=ppt/slideLayouts/slideLayout1.xml><?xml version="1.0" encoding="utf-8"?>
@@ -136,8 +592,8 @@
         </p:nvSpPr>
         <p:spPr>
           <a:xfrm>
-            <a:off x="685800" y="2130425"/>
-            <a:ext cx="7772400" cy="1470025"/>
+            <a:off x="514350" y="3077284"/>
+            <a:ext cx="5829300" cy="2123369"/>
           </a:xfrm>
         </p:spPr>
         <p:txBody>
@@ -164,8 +620,8 @@
         </p:nvSpPr>
         <p:spPr>
           <a:xfrm>
-            <a:off x="1371600" y="3886200"/>
-            <a:ext cx="6400800" cy="1752600"/>
+            <a:off x="1028700" y="5613400"/>
+            <a:ext cx="4800600" cy="2531533"/>
           </a:xfrm>
         </p:spPr>
         <p:txBody>
@@ -181,7 +637,7 @@
                 </a:solidFill>
               </a:defRPr>
             </a:lvl1pPr>
-            <a:lvl2pPr marL="457200" indent="0" algn="ctr">
+            <a:lvl2pPr marL="342899" indent="0" algn="ctr">
               <a:buNone/>
               <a:defRPr>
                 <a:solidFill>
@@ -191,7 +647,7 @@
                 </a:solidFill>
               </a:defRPr>
             </a:lvl2pPr>
-            <a:lvl3pPr marL="914400" indent="0" algn="ctr">
+            <a:lvl3pPr marL="685796" indent="0" algn="ctr">
               <a:buNone/>
               <a:defRPr>
                 <a:solidFill>
@@ -201,7 +657,7 @@
                 </a:solidFill>
               </a:defRPr>
             </a:lvl3pPr>
-            <a:lvl4pPr marL="1371600" indent="0" algn="ctr">
+            <a:lvl4pPr marL="1028694" indent="0" algn="ctr">
               <a:buNone/>
               <a:defRPr>
                 <a:solidFill>
@@ -211,7 +667,7 @@
                 </a:solidFill>
               </a:defRPr>
             </a:lvl4pPr>
-            <a:lvl5pPr marL="1828800" indent="0" algn="ctr">
+            <a:lvl5pPr marL="1371592" indent="0" algn="ctr">
               <a:buNone/>
               <a:defRPr>
                 <a:solidFill>
@@ -221,7 +677,7 @@
                 </a:solidFill>
               </a:defRPr>
             </a:lvl5pPr>
-            <a:lvl6pPr marL="2286000" indent="0" algn="ctr">
+            <a:lvl6pPr marL="1714490" indent="0" algn="ctr">
               <a:buNone/>
               <a:defRPr>
                 <a:solidFill>
@@ -231,7 +687,7 @@
                 </a:solidFill>
               </a:defRPr>
             </a:lvl6pPr>
-            <a:lvl7pPr marL="2743200" indent="0" algn="ctr">
+            <a:lvl7pPr marL="2057389" indent="0" algn="ctr">
               <a:buNone/>
               <a:defRPr>
                 <a:solidFill>
@@ -241,7 +697,7 @@
                 </a:solidFill>
               </a:defRPr>
             </a:lvl7pPr>
-            <a:lvl8pPr marL="3200400" indent="0" algn="ctr">
+            <a:lvl8pPr marL="2400286" indent="0" algn="ctr">
               <a:buNone/>
               <a:defRPr>
                 <a:solidFill>
@@ -251,7 +707,7 @@
                 </a:solidFill>
               </a:defRPr>
             </a:lvl8pPr>
-            <a:lvl9pPr marL="3657600" indent="0" algn="ctr">
+            <a:lvl9pPr marL="2743184" indent="0" algn="ctr">
               <a:buNone/>
               <a:defRPr>
                 <a:solidFill>
@@ -289,7 +745,7 @@
             <a:fld id="{1D8BD707-D9CF-40AE-B4C6-C98DA3205C09}" type="datetimeFigureOut">
               <a:rPr lang="en-US" smtClean="0"/>
               <a:pPr/>
-              <a:t>1/3/2019</a:t>
+              <a:t>1/4/2019</a:t>
             </a:fld>
             <a:endParaRPr lang="en-US"/>
           </a:p>
@@ -456,7 +912,7 @@
             <a:fld id="{1D8BD707-D9CF-40AE-B4C6-C98DA3205C09}" type="datetimeFigureOut">
               <a:rPr lang="en-US" smtClean="0"/>
               <a:pPr/>
-              <a:t>1/3/2019</a:t>
+              <a:t>1/4/2019</a:t>
             </a:fld>
             <a:endParaRPr lang="en-US"/>
           </a:p>
@@ -542,8 +998,8 @@
         </p:nvSpPr>
         <p:spPr>
           <a:xfrm>
-            <a:off x="6629400" y="274638"/>
-            <a:ext cx="2057400" cy="5851525"/>
+            <a:off x="4972050" y="396703"/>
+            <a:ext cx="1543050" cy="8452203"/>
           </a:xfrm>
         </p:spPr>
         <p:txBody>
@@ -570,8 +1026,8 @@
         </p:nvSpPr>
         <p:spPr>
           <a:xfrm>
-            <a:off x="457200" y="274638"/>
-            <a:ext cx="6019800" cy="5851525"/>
+            <a:off x="342900" y="396703"/>
+            <a:ext cx="4514850" cy="8452203"/>
           </a:xfrm>
         </p:spPr>
         <p:txBody>
@@ -633,7 +1089,7 @@
             <a:fld id="{1D8BD707-D9CF-40AE-B4C6-C98DA3205C09}" type="datetimeFigureOut">
               <a:rPr lang="en-US" smtClean="0"/>
               <a:pPr/>
-              <a:t>1/3/2019</a:t>
+              <a:t>1/4/2019</a:t>
             </a:fld>
             <a:endParaRPr lang="en-US"/>
           </a:p>
@@ -800,7 +1256,7 @@
             <a:fld id="{1D8BD707-D9CF-40AE-B4C6-C98DA3205C09}" type="datetimeFigureOut">
               <a:rPr lang="en-US" smtClean="0"/>
               <a:pPr/>
-              <a:t>1/3/2019</a:t>
+              <a:t>1/4/2019</a:t>
             </a:fld>
             <a:endParaRPr lang="en-US"/>
           </a:p>
@@ -886,15 +1342,15 @@
         </p:nvSpPr>
         <p:spPr>
           <a:xfrm>
-            <a:off x="722313" y="4406900"/>
-            <a:ext cx="7772400" cy="1362075"/>
+            <a:off x="541735" y="6365526"/>
+            <a:ext cx="5829300" cy="1967442"/>
           </a:xfrm>
         </p:spPr>
         <p:txBody>
           <a:bodyPr anchor="t"/>
           <a:lstStyle>
             <a:lvl1pPr algn="l">
-              <a:defRPr sz="4000" b="1" cap="all"/>
+              <a:defRPr sz="3000" b="1" cap="all"/>
             </a:lvl1pPr>
           </a:lstStyle>
           <a:p>
@@ -918,8 +1374,8 @@
         </p:nvSpPr>
         <p:spPr>
           <a:xfrm>
-            <a:off x="722313" y="2906713"/>
-            <a:ext cx="7772400" cy="1500187"/>
+            <a:off x="541735" y="4198586"/>
+            <a:ext cx="5829300" cy="2166937"/>
           </a:xfrm>
         </p:spPr>
         <p:txBody>
@@ -927,7 +1383,7 @@
           <a:lstStyle>
             <a:lvl1pPr marL="0" indent="0">
               <a:buNone/>
-              <a:defRPr sz="2000">
+              <a:defRPr sz="1500">
                 <a:solidFill>
                   <a:schemeClr val="tx1">
                     <a:tint val="75000"/>
@@ -935,9 +1391,9 @@
                 </a:solidFill>
               </a:defRPr>
             </a:lvl1pPr>
-            <a:lvl2pPr marL="457200" indent="0">
+            <a:lvl2pPr marL="342899" indent="0">
               <a:buNone/>
-              <a:defRPr sz="1800">
+              <a:defRPr sz="1350">
                 <a:solidFill>
                   <a:schemeClr val="tx1">
                     <a:tint val="75000"/>
@@ -945,9 +1401,9 @@
                 </a:solidFill>
               </a:defRPr>
             </a:lvl2pPr>
-            <a:lvl3pPr marL="914400" indent="0">
+            <a:lvl3pPr marL="685796" indent="0">
               <a:buNone/>
-              <a:defRPr sz="1600">
+              <a:defRPr sz="1200">
                 <a:solidFill>
                   <a:schemeClr val="tx1">
                     <a:tint val="75000"/>
@@ -955,9 +1411,9 @@
                 </a:solidFill>
               </a:defRPr>
             </a:lvl3pPr>
-            <a:lvl4pPr marL="1371600" indent="0">
+            <a:lvl4pPr marL="1028694" indent="0">
               <a:buNone/>
-              <a:defRPr sz="1400">
+              <a:defRPr sz="1050">
                 <a:solidFill>
                   <a:schemeClr val="tx1">
                     <a:tint val="75000"/>
@@ -965,9 +1421,9 @@
                 </a:solidFill>
               </a:defRPr>
             </a:lvl4pPr>
-            <a:lvl5pPr marL="1828800" indent="0">
+            <a:lvl5pPr marL="1371592" indent="0">
               <a:buNone/>
-              <a:defRPr sz="1400">
+              <a:defRPr sz="1050">
                 <a:solidFill>
                   <a:schemeClr val="tx1">
                     <a:tint val="75000"/>
@@ -975,9 +1431,9 @@
                 </a:solidFill>
               </a:defRPr>
             </a:lvl5pPr>
-            <a:lvl6pPr marL="2286000" indent="0">
+            <a:lvl6pPr marL="1714490" indent="0">
               <a:buNone/>
-              <a:defRPr sz="1400">
+              <a:defRPr sz="1050">
                 <a:solidFill>
                   <a:schemeClr val="tx1">
                     <a:tint val="75000"/>
@@ -985,9 +1441,9 @@
                 </a:solidFill>
               </a:defRPr>
             </a:lvl6pPr>
-            <a:lvl7pPr marL="2743200" indent="0">
+            <a:lvl7pPr marL="2057389" indent="0">
               <a:buNone/>
-              <a:defRPr sz="1400">
+              <a:defRPr sz="1050">
                 <a:solidFill>
                   <a:schemeClr val="tx1">
                     <a:tint val="75000"/>
@@ -995,9 +1451,9 @@
                 </a:solidFill>
               </a:defRPr>
             </a:lvl7pPr>
-            <a:lvl8pPr marL="3200400" indent="0">
+            <a:lvl8pPr marL="2400286" indent="0">
               <a:buNone/>
-              <a:defRPr sz="1400">
+              <a:defRPr sz="1050">
                 <a:solidFill>
                   <a:schemeClr val="tx1">
                     <a:tint val="75000"/>
@@ -1005,9 +1461,9 @@
                 </a:solidFill>
               </a:defRPr>
             </a:lvl8pPr>
-            <a:lvl9pPr marL="3657600" indent="0">
+            <a:lvl9pPr marL="2743184" indent="0">
               <a:buNone/>
-              <a:defRPr sz="1400">
+              <a:defRPr sz="1050">
                 <a:solidFill>
                   <a:schemeClr val="tx1">
                     <a:tint val="75000"/>
@@ -1043,7 +1499,7 @@
             <a:fld id="{1D8BD707-D9CF-40AE-B4C6-C98DA3205C09}" type="datetimeFigureOut">
               <a:rPr lang="en-US" smtClean="0"/>
               <a:pPr/>
-              <a:t>1/3/2019</a:t>
+              <a:t>1/4/2019</a:t>
             </a:fld>
             <a:endParaRPr lang="en-US"/>
           </a:p>
@@ -1152,39 +1608,39 @@
         </p:nvSpPr>
         <p:spPr>
           <a:xfrm>
-            <a:off x="457200" y="1600200"/>
-            <a:ext cx="4038600" cy="4525963"/>
+            <a:off x="342900" y="2311404"/>
+            <a:ext cx="3028950" cy="6537502"/>
           </a:xfrm>
         </p:spPr>
         <p:txBody>
           <a:bodyPr/>
           <a:lstStyle>
             <a:lvl1pPr>
-              <a:defRPr sz="2800"/>
+              <a:defRPr sz="2100"/>
             </a:lvl1pPr>
             <a:lvl2pPr>
-              <a:defRPr sz="2400"/>
+              <a:defRPr sz="1800"/>
             </a:lvl2pPr>
             <a:lvl3pPr>
-              <a:defRPr sz="2000"/>
+              <a:defRPr sz="1500"/>
             </a:lvl3pPr>
             <a:lvl4pPr>
-              <a:defRPr sz="1800"/>
+              <a:defRPr sz="1350"/>
             </a:lvl4pPr>
             <a:lvl5pPr>
-              <a:defRPr sz="1800"/>
+              <a:defRPr sz="1350"/>
             </a:lvl5pPr>
             <a:lvl6pPr>
-              <a:defRPr sz="1800"/>
+              <a:defRPr sz="1350"/>
             </a:lvl6pPr>
             <a:lvl7pPr>
-              <a:defRPr sz="1800"/>
+              <a:defRPr sz="1350"/>
             </a:lvl7pPr>
             <a:lvl8pPr>
-              <a:defRPr sz="1800"/>
+              <a:defRPr sz="1350"/>
             </a:lvl8pPr>
             <a:lvl9pPr>
-              <a:defRPr sz="1800"/>
+              <a:defRPr sz="1350"/>
             </a:lvl9pPr>
           </a:lstStyle>
           <a:p>
@@ -1237,39 +1693,39 @@
         </p:nvSpPr>
         <p:spPr>
           <a:xfrm>
-            <a:off x="4648200" y="1600200"/>
-            <a:ext cx="4038600" cy="4525963"/>
+            <a:off x="3486150" y="2311404"/>
+            <a:ext cx="3028950" cy="6537502"/>
           </a:xfrm>
         </p:spPr>
         <p:txBody>
           <a:bodyPr/>
           <a:lstStyle>
             <a:lvl1pPr>
-              <a:defRPr sz="2800"/>
+              <a:defRPr sz="2100"/>
             </a:lvl1pPr>
             <a:lvl2pPr>
-              <a:defRPr sz="2400"/>
+              <a:defRPr sz="1800"/>
             </a:lvl2pPr>
             <a:lvl3pPr>
-              <a:defRPr sz="2000"/>
+              <a:defRPr sz="1500"/>
             </a:lvl3pPr>
             <a:lvl4pPr>
-              <a:defRPr sz="1800"/>
+              <a:defRPr sz="1350"/>
             </a:lvl4pPr>
             <a:lvl5pPr>
-              <a:defRPr sz="1800"/>
+              <a:defRPr sz="1350"/>
             </a:lvl5pPr>
             <a:lvl6pPr>
-              <a:defRPr sz="1800"/>
+              <a:defRPr sz="1350"/>
             </a:lvl6pPr>
             <a:lvl7pPr>
-              <a:defRPr sz="1800"/>
+              <a:defRPr sz="1350"/>
             </a:lvl7pPr>
             <a:lvl8pPr>
-              <a:defRPr sz="1800"/>
+              <a:defRPr sz="1350"/>
             </a:lvl8pPr>
             <a:lvl9pPr>
-              <a:defRPr sz="1800"/>
+              <a:defRPr sz="1350"/>
             </a:lvl9pPr>
           </a:lstStyle>
           <a:p>
@@ -1328,7 +1784,7 @@
             <a:fld id="{1D8BD707-D9CF-40AE-B4C6-C98DA3205C09}" type="datetimeFigureOut">
               <a:rPr lang="en-US" smtClean="0"/>
               <a:pPr/>
-              <a:t>1/3/2019</a:t>
+              <a:t>1/4/2019</a:t>
             </a:fld>
             <a:endParaRPr lang="en-US"/>
           </a:p>
@@ -1441,8 +1897,8 @@
         </p:nvSpPr>
         <p:spPr>
           <a:xfrm>
-            <a:off x="457200" y="1535113"/>
-            <a:ext cx="4040188" cy="639762"/>
+            <a:off x="342900" y="2217385"/>
+            <a:ext cx="3030141" cy="924101"/>
           </a:xfrm>
         </p:spPr>
         <p:txBody>
@@ -1450,39 +1906,39 @@
           <a:lstStyle>
             <a:lvl1pPr marL="0" indent="0">
               <a:buNone/>
-              <a:defRPr sz="2400" b="1"/>
+              <a:defRPr sz="1800" b="1"/>
             </a:lvl1pPr>
-            <a:lvl2pPr marL="457200" indent="0">
+            <a:lvl2pPr marL="342899" indent="0">
               <a:buNone/>
-              <a:defRPr sz="2000" b="1"/>
+              <a:defRPr sz="1500" b="1"/>
             </a:lvl2pPr>
-            <a:lvl3pPr marL="914400" indent="0">
+            <a:lvl3pPr marL="685796" indent="0">
               <a:buNone/>
-              <a:defRPr sz="1800" b="1"/>
+              <a:defRPr sz="1350" b="1"/>
             </a:lvl3pPr>
-            <a:lvl4pPr marL="1371600" indent="0">
+            <a:lvl4pPr marL="1028694" indent="0">
               <a:buNone/>
-              <a:defRPr sz="1600" b="1"/>
+              <a:defRPr sz="1200" b="1"/>
             </a:lvl4pPr>
-            <a:lvl5pPr marL="1828800" indent="0">
+            <a:lvl5pPr marL="1371592" indent="0">
               <a:buNone/>
-              <a:defRPr sz="1600" b="1"/>
+              <a:defRPr sz="1200" b="1"/>
             </a:lvl5pPr>
-            <a:lvl6pPr marL="2286000" indent="0">
+            <a:lvl6pPr marL="1714490" indent="0">
               <a:buNone/>
-              <a:defRPr sz="1600" b="1"/>
+              <a:defRPr sz="1200" b="1"/>
             </a:lvl6pPr>
-            <a:lvl7pPr marL="2743200" indent="0">
+            <a:lvl7pPr marL="2057389" indent="0">
               <a:buNone/>
-              <a:defRPr sz="1600" b="1"/>
+              <a:defRPr sz="1200" b="1"/>
             </a:lvl7pPr>
-            <a:lvl8pPr marL="3200400" indent="0">
+            <a:lvl8pPr marL="2400286" indent="0">
               <a:buNone/>
-              <a:defRPr sz="1600" b="1"/>
+              <a:defRPr sz="1200" b="1"/>
             </a:lvl8pPr>
-            <a:lvl9pPr marL="3657600" indent="0">
+            <a:lvl9pPr marL="2743184" indent="0">
               <a:buNone/>
-              <a:defRPr sz="1600" b="1"/>
+              <a:defRPr sz="1200" b="1"/>
             </a:lvl9pPr>
           </a:lstStyle>
           <a:p>
@@ -1506,39 +1962,39 @@
         </p:nvSpPr>
         <p:spPr>
           <a:xfrm>
-            <a:off x="457200" y="2174875"/>
-            <a:ext cx="4040188" cy="3951288"/>
+            <a:off x="342900" y="3141486"/>
+            <a:ext cx="3030141" cy="5707416"/>
           </a:xfrm>
         </p:spPr>
         <p:txBody>
           <a:bodyPr/>
           <a:lstStyle>
             <a:lvl1pPr>
-              <a:defRPr sz="2400"/>
+              <a:defRPr sz="1800"/>
             </a:lvl1pPr>
             <a:lvl2pPr>
-              <a:defRPr sz="2000"/>
+              <a:defRPr sz="1500"/>
             </a:lvl2pPr>
             <a:lvl3pPr>
-              <a:defRPr sz="1800"/>
+              <a:defRPr sz="1350"/>
             </a:lvl3pPr>
             <a:lvl4pPr>
-              <a:defRPr sz="1600"/>
+              <a:defRPr sz="1200"/>
             </a:lvl4pPr>
             <a:lvl5pPr>
-              <a:defRPr sz="1600"/>
+              <a:defRPr sz="1200"/>
             </a:lvl5pPr>
             <a:lvl6pPr>
-              <a:defRPr sz="1600"/>
+              <a:defRPr sz="1200"/>
             </a:lvl6pPr>
             <a:lvl7pPr>
-              <a:defRPr sz="1600"/>
+              <a:defRPr sz="1200"/>
             </a:lvl7pPr>
             <a:lvl8pPr>
-              <a:defRPr sz="1600"/>
+              <a:defRPr sz="1200"/>
             </a:lvl8pPr>
             <a:lvl9pPr>
-              <a:defRPr sz="1600"/>
+              <a:defRPr sz="1200"/>
             </a:lvl9pPr>
           </a:lstStyle>
           <a:p>
@@ -1591,8 +2047,8 @@
         </p:nvSpPr>
         <p:spPr>
           <a:xfrm>
-            <a:off x="4645025" y="1535113"/>
-            <a:ext cx="4041775" cy="639762"/>
+            <a:off x="3483770" y="2217385"/>
+            <a:ext cx="3031331" cy="924101"/>
           </a:xfrm>
         </p:spPr>
         <p:txBody>
@@ -1600,39 +2056,39 @@
           <a:lstStyle>
             <a:lvl1pPr marL="0" indent="0">
               <a:buNone/>
-              <a:defRPr sz="2400" b="1"/>
+              <a:defRPr sz="1800" b="1"/>
             </a:lvl1pPr>
-            <a:lvl2pPr marL="457200" indent="0">
+            <a:lvl2pPr marL="342899" indent="0">
               <a:buNone/>
-              <a:defRPr sz="2000" b="1"/>
+              <a:defRPr sz="1500" b="1"/>
             </a:lvl2pPr>
-            <a:lvl3pPr marL="914400" indent="0">
+            <a:lvl3pPr marL="685796" indent="0">
               <a:buNone/>
-              <a:defRPr sz="1800" b="1"/>
+              <a:defRPr sz="1350" b="1"/>
             </a:lvl3pPr>
-            <a:lvl4pPr marL="1371600" indent="0">
+            <a:lvl4pPr marL="1028694" indent="0">
               <a:buNone/>
-              <a:defRPr sz="1600" b="1"/>
+              <a:defRPr sz="1200" b="1"/>
             </a:lvl4pPr>
-            <a:lvl5pPr marL="1828800" indent="0">
+            <a:lvl5pPr marL="1371592" indent="0">
               <a:buNone/>
-              <a:defRPr sz="1600" b="1"/>
+              <a:defRPr sz="1200" b="1"/>
             </a:lvl5pPr>
-            <a:lvl6pPr marL="2286000" indent="0">
+            <a:lvl6pPr marL="1714490" indent="0">
               <a:buNone/>
-              <a:defRPr sz="1600" b="1"/>
+              <a:defRPr sz="1200" b="1"/>
             </a:lvl6pPr>
-            <a:lvl7pPr marL="2743200" indent="0">
+            <a:lvl7pPr marL="2057389" indent="0">
               <a:buNone/>
-              <a:defRPr sz="1600" b="1"/>
+              <a:defRPr sz="1200" b="1"/>
             </a:lvl7pPr>
-            <a:lvl8pPr marL="3200400" indent="0">
+            <a:lvl8pPr marL="2400286" indent="0">
               <a:buNone/>
-              <a:defRPr sz="1600" b="1"/>
+              <a:defRPr sz="1200" b="1"/>
             </a:lvl8pPr>
-            <a:lvl9pPr marL="3657600" indent="0">
+            <a:lvl9pPr marL="2743184" indent="0">
               <a:buNone/>
-              <a:defRPr sz="1600" b="1"/>
+              <a:defRPr sz="1200" b="1"/>
             </a:lvl9pPr>
           </a:lstStyle>
           <a:p>
@@ -1656,39 +2112,39 @@
         </p:nvSpPr>
         <p:spPr>
           <a:xfrm>
-            <a:off x="4645025" y="2174875"/>
-            <a:ext cx="4041775" cy="3951288"/>
+            <a:off x="3483770" y="3141486"/>
+            <a:ext cx="3031331" cy="5707416"/>
           </a:xfrm>
         </p:spPr>
         <p:txBody>
           <a:bodyPr/>
           <a:lstStyle>
             <a:lvl1pPr>
-              <a:defRPr sz="2400"/>
+              <a:defRPr sz="1800"/>
             </a:lvl1pPr>
             <a:lvl2pPr>
-              <a:defRPr sz="2000"/>
+              <a:defRPr sz="1500"/>
             </a:lvl2pPr>
             <a:lvl3pPr>
-              <a:defRPr sz="1800"/>
+              <a:defRPr sz="1350"/>
             </a:lvl3pPr>
             <a:lvl4pPr>
-              <a:defRPr sz="1600"/>
+              <a:defRPr sz="1200"/>
             </a:lvl4pPr>
             <a:lvl5pPr>
-              <a:defRPr sz="1600"/>
+              <a:defRPr sz="1200"/>
             </a:lvl5pPr>
             <a:lvl6pPr>
-              <a:defRPr sz="1600"/>
+              <a:defRPr sz="1200"/>
             </a:lvl6pPr>
             <a:lvl7pPr>
-              <a:defRPr sz="1600"/>
+              <a:defRPr sz="1200"/>
             </a:lvl7pPr>
             <a:lvl8pPr>
-              <a:defRPr sz="1600"/>
+              <a:defRPr sz="1200"/>
             </a:lvl8pPr>
             <a:lvl9pPr>
-              <a:defRPr sz="1600"/>
+              <a:defRPr sz="1200"/>
             </a:lvl9pPr>
           </a:lstStyle>
           <a:p>
@@ -1747,7 +2203,7 @@
             <a:fld id="{1D8BD707-D9CF-40AE-B4C6-C98DA3205C09}" type="datetimeFigureOut">
               <a:rPr lang="en-US" smtClean="0"/>
               <a:pPr/>
-              <a:t>1/3/2019</a:t>
+              <a:t>1/4/2019</a:t>
             </a:fld>
             <a:endParaRPr lang="en-US"/>
           </a:p>
@@ -1862,7 +2318,7 @@
             <a:fld id="{1D8BD707-D9CF-40AE-B4C6-C98DA3205C09}" type="datetimeFigureOut">
               <a:rPr lang="en-US" smtClean="0"/>
               <a:pPr/>
-              <a:t>1/3/2019</a:t>
+              <a:t>1/4/2019</a:t>
             </a:fld>
             <a:endParaRPr lang="en-US"/>
           </a:p>
@@ -1954,7 +2410,7 @@
             <a:fld id="{1D8BD707-D9CF-40AE-B4C6-C98DA3205C09}" type="datetimeFigureOut">
               <a:rPr lang="en-US" smtClean="0"/>
               <a:pPr/>
-              <a:t>1/3/2019</a:t>
+              <a:t>1/4/2019</a:t>
             </a:fld>
             <a:endParaRPr lang="en-US"/>
           </a:p>
@@ -2040,15 +2496,15 @@
         </p:nvSpPr>
         <p:spPr>
           <a:xfrm>
-            <a:off x="457200" y="273050"/>
-            <a:ext cx="3008313" cy="1162050"/>
+            <a:off x="342900" y="394405"/>
+            <a:ext cx="2256235" cy="1678517"/>
           </a:xfrm>
         </p:spPr>
         <p:txBody>
           <a:bodyPr anchor="b"/>
           <a:lstStyle>
             <a:lvl1pPr algn="l">
-              <a:defRPr sz="2000" b="1"/>
+              <a:defRPr sz="1500" b="1"/>
             </a:lvl1pPr>
           </a:lstStyle>
           <a:p>
@@ -2072,39 +2528,39 @@
         </p:nvSpPr>
         <p:spPr>
           <a:xfrm>
-            <a:off x="3575050" y="273050"/>
-            <a:ext cx="5111750" cy="5853113"/>
+            <a:off x="2681288" y="394409"/>
+            <a:ext cx="3833813" cy="8454497"/>
           </a:xfrm>
         </p:spPr>
         <p:txBody>
           <a:bodyPr/>
           <a:lstStyle>
             <a:lvl1pPr>
-              <a:defRPr sz="3200"/>
+              <a:defRPr sz="2400"/>
             </a:lvl1pPr>
             <a:lvl2pPr>
-              <a:defRPr sz="2800"/>
+              <a:defRPr sz="2100"/>
             </a:lvl2pPr>
             <a:lvl3pPr>
-              <a:defRPr sz="2400"/>
+              <a:defRPr sz="1800"/>
             </a:lvl3pPr>
             <a:lvl4pPr>
-              <a:defRPr sz="2000"/>
+              <a:defRPr sz="1500"/>
             </a:lvl4pPr>
             <a:lvl5pPr>
-              <a:defRPr sz="2000"/>
+              <a:defRPr sz="1500"/>
             </a:lvl5pPr>
             <a:lvl6pPr>
-              <a:defRPr sz="2000"/>
+              <a:defRPr sz="1500"/>
             </a:lvl6pPr>
             <a:lvl7pPr>
-              <a:defRPr sz="2000"/>
+              <a:defRPr sz="1500"/>
             </a:lvl7pPr>
             <a:lvl8pPr>
-              <a:defRPr sz="2000"/>
+              <a:defRPr sz="1500"/>
             </a:lvl8pPr>
             <a:lvl9pPr>
-              <a:defRPr sz="2000"/>
+              <a:defRPr sz="1500"/>
             </a:lvl9pPr>
           </a:lstStyle>
           <a:p>
@@ -2157,8 +2613,8 @@
         </p:nvSpPr>
         <p:spPr>
           <a:xfrm>
-            <a:off x="457200" y="1435100"/>
-            <a:ext cx="3008313" cy="4691063"/>
+            <a:off x="342900" y="2072926"/>
+            <a:ext cx="2256235" cy="6775980"/>
           </a:xfrm>
         </p:spPr>
         <p:txBody>
@@ -2166,39 +2622,39 @@
           <a:lstStyle>
             <a:lvl1pPr marL="0" indent="0">
               <a:buNone/>
-              <a:defRPr sz="1400"/>
+              <a:defRPr sz="1050"/>
             </a:lvl1pPr>
-            <a:lvl2pPr marL="457200" indent="0">
-              <a:buNone/>
-              <a:defRPr sz="1200"/>
-            </a:lvl2pPr>
-            <a:lvl3pPr marL="914400" indent="0">
-              <a:buNone/>
-              <a:defRPr sz="1000"/>
-            </a:lvl3pPr>
-            <a:lvl4pPr marL="1371600" indent="0">
+            <a:lvl2pPr marL="342899" indent="0">
               <a:buNone/>
               <a:defRPr sz="900"/>
+            </a:lvl2pPr>
+            <a:lvl3pPr marL="685796" indent="0">
+              <a:buNone/>
+              <a:defRPr sz="750"/>
+            </a:lvl3pPr>
+            <a:lvl4pPr marL="1028694" indent="0">
+              <a:buNone/>
+              <a:defRPr sz="675"/>
             </a:lvl4pPr>
-            <a:lvl5pPr marL="1828800" indent="0">
+            <a:lvl5pPr marL="1371592" indent="0">
               <a:buNone/>
-              <a:defRPr sz="900"/>
+              <a:defRPr sz="675"/>
             </a:lvl5pPr>
-            <a:lvl6pPr marL="2286000" indent="0">
+            <a:lvl6pPr marL="1714490" indent="0">
               <a:buNone/>
-              <a:defRPr sz="900"/>
+              <a:defRPr sz="675"/>
             </a:lvl6pPr>
-            <a:lvl7pPr marL="2743200" indent="0">
+            <a:lvl7pPr marL="2057389" indent="0">
               <a:buNone/>
-              <a:defRPr sz="900"/>
+              <a:defRPr sz="675"/>
             </a:lvl7pPr>
-            <a:lvl8pPr marL="3200400" indent="0">
+            <a:lvl8pPr marL="2400286" indent="0">
               <a:buNone/>
-              <a:defRPr sz="900"/>
+              <a:defRPr sz="675"/>
             </a:lvl8pPr>
-            <a:lvl9pPr marL="3657600" indent="0">
+            <a:lvl9pPr marL="2743184" indent="0">
               <a:buNone/>
-              <a:defRPr sz="900"/>
+              <a:defRPr sz="675"/>
             </a:lvl9pPr>
           </a:lstStyle>
           <a:p>
@@ -2228,7 +2684,7 @@
             <a:fld id="{1D8BD707-D9CF-40AE-B4C6-C98DA3205C09}" type="datetimeFigureOut">
               <a:rPr lang="en-US" smtClean="0"/>
               <a:pPr/>
-              <a:t>1/3/2019</a:t>
+              <a:t>1/4/2019</a:t>
             </a:fld>
             <a:endParaRPr lang="en-US"/>
           </a:p>
@@ -2314,15 +2770,15 @@
         </p:nvSpPr>
         <p:spPr>
           <a:xfrm>
-            <a:off x="1792288" y="4800600"/>
-            <a:ext cx="5486400" cy="566738"/>
+            <a:off x="1344216" y="6934200"/>
+            <a:ext cx="4114800" cy="818622"/>
           </a:xfrm>
         </p:spPr>
         <p:txBody>
           <a:bodyPr anchor="b"/>
           <a:lstStyle>
             <a:lvl1pPr algn="l">
-              <a:defRPr sz="2000" b="1"/>
+              <a:defRPr sz="1500" b="1"/>
             </a:lvl1pPr>
           </a:lstStyle>
           <a:p>
@@ -2346,8 +2802,8 @@
         </p:nvSpPr>
         <p:spPr>
           <a:xfrm>
-            <a:off x="1792288" y="612775"/>
-            <a:ext cx="5486400" cy="4114800"/>
+            <a:off x="1344216" y="885119"/>
+            <a:ext cx="4114800" cy="5943600"/>
           </a:xfrm>
         </p:spPr>
         <p:txBody>
@@ -2355,39 +2811,39 @@
           <a:lstStyle>
             <a:lvl1pPr marL="0" indent="0">
               <a:buNone/>
-              <a:defRPr sz="3200"/>
+              <a:defRPr sz="2400"/>
             </a:lvl1pPr>
-            <a:lvl2pPr marL="457200" indent="0">
+            <a:lvl2pPr marL="342899" indent="0">
               <a:buNone/>
-              <a:defRPr sz="2800"/>
+              <a:defRPr sz="2100"/>
             </a:lvl2pPr>
-            <a:lvl3pPr marL="914400" indent="0">
+            <a:lvl3pPr marL="685796" indent="0">
               <a:buNone/>
-              <a:defRPr sz="2400"/>
+              <a:defRPr sz="1800"/>
             </a:lvl3pPr>
-            <a:lvl4pPr marL="1371600" indent="0">
+            <a:lvl4pPr marL="1028694" indent="0">
               <a:buNone/>
-              <a:defRPr sz="2000"/>
+              <a:defRPr sz="1500"/>
             </a:lvl4pPr>
-            <a:lvl5pPr marL="1828800" indent="0">
+            <a:lvl5pPr marL="1371592" indent="0">
               <a:buNone/>
-              <a:defRPr sz="2000"/>
+              <a:defRPr sz="1500"/>
             </a:lvl5pPr>
-            <a:lvl6pPr marL="2286000" indent="0">
+            <a:lvl6pPr marL="1714490" indent="0">
               <a:buNone/>
-              <a:defRPr sz="2000"/>
+              <a:defRPr sz="1500"/>
             </a:lvl6pPr>
-            <a:lvl7pPr marL="2743200" indent="0">
+            <a:lvl7pPr marL="2057389" indent="0">
               <a:buNone/>
-              <a:defRPr sz="2000"/>
+              <a:defRPr sz="1500"/>
             </a:lvl7pPr>
-            <a:lvl8pPr marL="3200400" indent="0">
+            <a:lvl8pPr marL="2400286" indent="0">
               <a:buNone/>
-              <a:defRPr sz="2000"/>
+              <a:defRPr sz="1500"/>
             </a:lvl8pPr>
-            <a:lvl9pPr marL="3657600" indent="0">
+            <a:lvl9pPr marL="2743184" indent="0">
               <a:buNone/>
-              <a:defRPr sz="2000"/>
+              <a:defRPr sz="1500"/>
             </a:lvl9pPr>
           </a:lstStyle>
           <a:p>
@@ -2407,8 +2863,8 @@
         </p:nvSpPr>
         <p:spPr>
           <a:xfrm>
-            <a:off x="1792288" y="5367338"/>
-            <a:ext cx="5486400" cy="804862"/>
+            <a:off x="1344216" y="7752822"/>
+            <a:ext cx="4114800" cy="1162578"/>
           </a:xfrm>
         </p:spPr>
         <p:txBody>
@@ -2416,39 +2872,39 @@
           <a:lstStyle>
             <a:lvl1pPr marL="0" indent="0">
               <a:buNone/>
-              <a:defRPr sz="1400"/>
+              <a:defRPr sz="1050"/>
             </a:lvl1pPr>
-            <a:lvl2pPr marL="457200" indent="0">
-              <a:buNone/>
-              <a:defRPr sz="1200"/>
-            </a:lvl2pPr>
-            <a:lvl3pPr marL="914400" indent="0">
-              <a:buNone/>
-              <a:defRPr sz="1000"/>
-            </a:lvl3pPr>
-            <a:lvl4pPr marL="1371600" indent="0">
+            <a:lvl2pPr marL="342899" indent="0">
               <a:buNone/>
               <a:defRPr sz="900"/>
+            </a:lvl2pPr>
+            <a:lvl3pPr marL="685796" indent="0">
+              <a:buNone/>
+              <a:defRPr sz="750"/>
+            </a:lvl3pPr>
+            <a:lvl4pPr marL="1028694" indent="0">
+              <a:buNone/>
+              <a:defRPr sz="675"/>
             </a:lvl4pPr>
-            <a:lvl5pPr marL="1828800" indent="0">
+            <a:lvl5pPr marL="1371592" indent="0">
               <a:buNone/>
-              <a:defRPr sz="900"/>
+              <a:defRPr sz="675"/>
             </a:lvl5pPr>
-            <a:lvl6pPr marL="2286000" indent="0">
+            <a:lvl6pPr marL="1714490" indent="0">
               <a:buNone/>
-              <a:defRPr sz="900"/>
+              <a:defRPr sz="675"/>
             </a:lvl6pPr>
-            <a:lvl7pPr marL="2743200" indent="0">
+            <a:lvl7pPr marL="2057389" indent="0">
               <a:buNone/>
-              <a:defRPr sz="900"/>
+              <a:defRPr sz="675"/>
             </a:lvl7pPr>
-            <a:lvl8pPr marL="3200400" indent="0">
+            <a:lvl8pPr marL="2400286" indent="0">
               <a:buNone/>
-              <a:defRPr sz="900"/>
+              <a:defRPr sz="675"/>
             </a:lvl8pPr>
-            <a:lvl9pPr marL="3657600" indent="0">
+            <a:lvl9pPr marL="2743184" indent="0">
               <a:buNone/>
-              <a:defRPr sz="900"/>
+              <a:defRPr sz="675"/>
             </a:lvl9pPr>
           </a:lstStyle>
           <a:p>
@@ -2478,7 +2934,7 @@
             <a:fld id="{1D8BD707-D9CF-40AE-B4C6-C98DA3205C09}" type="datetimeFigureOut">
               <a:rPr lang="en-US" smtClean="0"/>
               <a:pPr/>
-              <a:t>1/3/2019</a:t>
+              <a:t>1/4/2019</a:t>
             </a:fld>
             <a:endParaRPr lang="en-US"/>
           </a:p>
@@ -2569,8 +3025,8 @@
         </p:nvSpPr>
         <p:spPr>
           <a:xfrm>
-            <a:off x="457200" y="274638"/>
-            <a:ext cx="8229600" cy="1143000"/>
+            <a:off x="342900" y="396699"/>
+            <a:ext cx="6172200" cy="1651000"/>
           </a:xfrm>
           <a:prstGeom prst="rect">
             <a:avLst/>
@@ -2602,8 +3058,8 @@
         </p:nvSpPr>
         <p:spPr>
           <a:xfrm>
-            <a:off x="457200" y="1600200"/>
-            <a:ext cx="8229600" cy="4525963"/>
+            <a:off x="342900" y="2311404"/>
+            <a:ext cx="6172200" cy="6537502"/>
           </a:xfrm>
           <a:prstGeom prst="rect">
             <a:avLst/>
@@ -2664,8 +3120,8 @@
         </p:nvSpPr>
         <p:spPr>
           <a:xfrm>
-            <a:off x="457200" y="6356350"/>
-            <a:ext cx="2133600" cy="365125"/>
+            <a:off x="342900" y="9181398"/>
+            <a:ext cx="1600200" cy="527403"/>
           </a:xfrm>
           <a:prstGeom prst="rect">
             <a:avLst/>
@@ -2675,7 +3131,7 @@
           <a:bodyPr vert="horz" lIns="91440" tIns="45720" rIns="91440" bIns="45720" rtlCol="0" anchor="ctr"/>
           <a:lstStyle>
             <a:lvl1pPr algn="l">
-              <a:defRPr sz="1200">
+              <a:defRPr sz="900">
                 <a:solidFill>
                   <a:schemeClr val="tx1">
                     <a:tint val="75000"/>
@@ -2688,7 +3144,7 @@
             <a:fld id="{1D8BD707-D9CF-40AE-B4C6-C98DA3205C09}" type="datetimeFigureOut">
               <a:rPr lang="en-US" smtClean="0"/>
               <a:pPr/>
-              <a:t>1/3/2019</a:t>
+              <a:t>1/4/2019</a:t>
             </a:fld>
             <a:endParaRPr lang="en-US"/>
           </a:p>
@@ -2706,8 +3162,8 @@
         </p:nvSpPr>
         <p:spPr>
           <a:xfrm>
-            <a:off x="3124200" y="6356350"/>
-            <a:ext cx="2895600" cy="365125"/>
+            <a:off x="2343150" y="9181398"/>
+            <a:ext cx="2171700" cy="527403"/>
           </a:xfrm>
           <a:prstGeom prst="rect">
             <a:avLst/>
@@ -2717,7 +3173,7 @@
           <a:bodyPr vert="horz" lIns="91440" tIns="45720" rIns="91440" bIns="45720" rtlCol="0" anchor="ctr"/>
           <a:lstStyle>
             <a:lvl1pPr algn="ctr">
-              <a:defRPr sz="1200">
+              <a:defRPr sz="900">
                 <a:solidFill>
                   <a:schemeClr val="tx1">
                     <a:tint val="75000"/>
@@ -2743,8 +3199,8 @@
         </p:nvSpPr>
         <p:spPr>
           <a:xfrm>
-            <a:off x="6553200" y="6356350"/>
-            <a:ext cx="2133600" cy="365125"/>
+            <a:off x="4914900" y="9181398"/>
+            <a:ext cx="1600200" cy="527403"/>
           </a:xfrm>
           <a:prstGeom prst="rect">
             <a:avLst/>
@@ -2754,7 +3210,7 @@
           <a:bodyPr vert="horz" lIns="91440" tIns="45720" rIns="91440" bIns="45720" rtlCol="0" anchor="ctr"/>
           <a:lstStyle>
             <a:lvl1pPr algn="r">
-              <a:defRPr sz="1200">
+              <a:defRPr sz="900">
                 <a:solidFill>
                   <a:schemeClr val="tx1">
                     <a:tint val="75000"/>
@@ -2791,12 +3247,12 @@
   </p:sldLayoutIdLst>
   <p:txStyles>
     <p:titleStyle>
-      <a:lvl1pPr algn="ctr" defTabSz="914400" rtl="0" eaLnBrk="1" latinLnBrk="0" hangingPunct="1">
+      <a:lvl1pPr algn="ctr" defTabSz="685796" rtl="0" eaLnBrk="1" latinLnBrk="0" hangingPunct="1">
         <a:spcBef>
           <a:spcPct val="0"/>
         </a:spcBef>
         <a:buNone/>
-        <a:defRPr sz="4400" kern="1200">
+        <a:defRPr sz="3300" kern="1200">
           <a:solidFill>
             <a:schemeClr val="tx1"/>
           </a:solidFill>
@@ -2807,37 +3263,7 @@
       </a:lvl1pPr>
     </p:titleStyle>
     <p:bodyStyle>
-      <a:lvl1pPr marL="342900" indent="-342900" algn="l" defTabSz="914400" rtl="0" eaLnBrk="1" latinLnBrk="0" hangingPunct="1">
-        <a:spcBef>
-          <a:spcPct val="20000"/>
-        </a:spcBef>
-        <a:buFont typeface="Arial" pitchFamily="34" charset="0"/>
-        <a:buChar char="•"/>
-        <a:defRPr sz="3200" kern="1200">
-          <a:solidFill>
-            <a:schemeClr val="tx1"/>
-          </a:solidFill>
-          <a:latin typeface="+mn-lt"/>
-          <a:ea typeface="+mn-ea"/>
-          <a:cs typeface="+mn-cs"/>
-        </a:defRPr>
-      </a:lvl1pPr>
-      <a:lvl2pPr marL="742950" indent="-285750" algn="l" defTabSz="914400" rtl="0" eaLnBrk="1" latinLnBrk="0" hangingPunct="1">
-        <a:spcBef>
-          <a:spcPct val="20000"/>
-        </a:spcBef>
-        <a:buFont typeface="Arial" pitchFamily="34" charset="0"/>
-        <a:buChar char="–"/>
-        <a:defRPr sz="2800" kern="1200">
-          <a:solidFill>
-            <a:schemeClr val="tx1"/>
-          </a:solidFill>
-          <a:latin typeface="+mn-lt"/>
-          <a:ea typeface="+mn-ea"/>
-          <a:cs typeface="+mn-cs"/>
-        </a:defRPr>
-      </a:lvl2pPr>
-      <a:lvl3pPr marL="1143000" indent="-228600" algn="l" defTabSz="914400" rtl="0" eaLnBrk="1" latinLnBrk="0" hangingPunct="1">
+      <a:lvl1pPr marL="257174" indent="-257174" algn="l" defTabSz="685796" rtl="0" eaLnBrk="1" latinLnBrk="0" hangingPunct="1">
         <a:spcBef>
           <a:spcPct val="20000"/>
         </a:spcBef>
@@ -2851,14 +3277,44 @@
           <a:ea typeface="+mn-ea"/>
           <a:cs typeface="+mn-cs"/>
         </a:defRPr>
-      </a:lvl3pPr>
-      <a:lvl4pPr marL="1600200" indent="-228600" algn="l" defTabSz="914400" rtl="0" eaLnBrk="1" latinLnBrk="0" hangingPunct="1">
+      </a:lvl1pPr>
+      <a:lvl2pPr marL="557210" indent="-214311" algn="l" defTabSz="685796" rtl="0" eaLnBrk="1" latinLnBrk="0" hangingPunct="1">
         <a:spcBef>
           <a:spcPct val="20000"/>
         </a:spcBef>
         <a:buFont typeface="Arial" pitchFamily="34" charset="0"/>
         <a:buChar char="–"/>
-        <a:defRPr sz="2000" kern="1200">
+        <a:defRPr sz="2100" kern="1200">
+          <a:solidFill>
+            <a:schemeClr val="tx1"/>
+          </a:solidFill>
+          <a:latin typeface="+mn-lt"/>
+          <a:ea typeface="+mn-ea"/>
+          <a:cs typeface="+mn-cs"/>
+        </a:defRPr>
+      </a:lvl2pPr>
+      <a:lvl3pPr marL="857245" indent="-171449" algn="l" defTabSz="685796" rtl="0" eaLnBrk="1" latinLnBrk="0" hangingPunct="1">
+        <a:spcBef>
+          <a:spcPct val="20000"/>
+        </a:spcBef>
+        <a:buFont typeface="Arial" pitchFamily="34" charset="0"/>
+        <a:buChar char="•"/>
+        <a:defRPr sz="1800" kern="1200">
+          <a:solidFill>
+            <a:schemeClr val="tx1"/>
+          </a:solidFill>
+          <a:latin typeface="+mn-lt"/>
+          <a:ea typeface="+mn-ea"/>
+          <a:cs typeface="+mn-cs"/>
+        </a:defRPr>
+      </a:lvl3pPr>
+      <a:lvl4pPr marL="1200143" indent="-171449" algn="l" defTabSz="685796" rtl="0" eaLnBrk="1" latinLnBrk="0" hangingPunct="1">
+        <a:spcBef>
+          <a:spcPct val="20000"/>
+        </a:spcBef>
+        <a:buFont typeface="Arial" pitchFamily="34" charset="0"/>
+        <a:buChar char="–"/>
+        <a:defRPr sz="1500" kern="1200">
           <a:solidFill>
             <a:schemeClr val="tx1"/>
           </a:solidFill>
@@ -2867,13 +3323,13 @@
           <a:cs typeface="+mn-cs"/>
         </a:defRPr>
       </a:lvl4pPr>
-      <a:lvl5pPr marL="2057400" indent="-228600" algn="l" defTabSz="914400" rtl="0" eaLnBrk="1" latinLnBrk="0" hangingPunct="1">
+      <a:lvl5pPr marL="1543041" indent="-171449" algn="l" defTabSz="685796" rtl="0" eaLnBrk="1" latinLnBrk="0" hangingPunct="1">
         <a:spcBef>
           <a:spcPct val="20000"/>
         </a:spcBef>
         <a:buFont typeface="Arial" pitchFamily="34" charset="0"/>
         <a:buChar char="»"/>
-        <a:defRPr sz="2000" kern="1200">
+        <a:defRPr sz="1500" kern="1200">
           <a:solidFill>
             <a:schemeClr val="tx1"/>
           </a:solidFill>
@@ -2882,13 +3338,13 @@
           <a:cs typeface="+mn-cs"/>
         </a:defRPr>
       </a:lvl5pPr>
-      <a:lvl6pPr marL="2514600" indent="-228600" algn="l" defTabSz="914400" rtl="0" eaLnBrk="1" latinLnBrk="0" hangingPunct="1">
+      <a:lvl6pPr marL="1885939" indent="-171449" algn="l" defTabSz="685796" rtl="0" eaLnBrk="1" latinLnBrk="0" hangingPunct="1">
         <a:spcBef>
           <a:spcPct val="20000"/>
         </a:spcBef>
         <a:buFont typeface="Arial" pitchFamily="34" charset="0"/>
         <a:buChar char="•"/>
-        <a:defRPr sz="2000" kern="1200">
+        <a:defRPr sz="1500" kern="1200">
           <a:solidFill>
             <a:schemeClr val="tx1"/>
           </a:solidFill>
@@ -2897,13 +3353,13 @@
           <a:cs typeface="+mn-cs"/>
         </a:defRPr>
       </a:lvl6pPr>
-      <a:lvl7pPr marL="2971800" indent="-228600" algn="l" defTabSz="914400" rtl="0" eaLnBrk="1" latinLnBrk="0" hangingPunct="1">
+      <a:lvl7pPr marL="2228837" indent="-171449" algn="l" defTabSz="685796" rtl="0" eaLnBrk="1" latinLnBrk="0" hangingPunct="1">
         <a:spcBef>
           <a:spcPct val="20000"/>
         </a:spcBef>
         <a:buFont typeface="Arial" pitchFamily="34" charset="0"/>
         <a:buChar char="•"/>
-        <a:defRPr sz="2000" kern="1200">
+        <a:defRPr sz="1500" kern="1200">
           <a:solidFill>
             <a:schemeClr val="tx1"/>
           </a:solidFill>
@@ -2912,13 +3368,13 @@
           <a:cs typeface="+mn-cs"/>
         </a:defRPr>
       </a:lvl7pPr>
-      <a:lvl8pPr marL="3429000" indent="-228600" algn="l" defTabSz="914400" rtl="0" eaLnBrk="1" latinLnBrk="0" hangingPunct="1">
+      <a:lvl8pPr marL="2571735" indent="-171449" algn="l" defTabSz="685796" rtl="0" eaLnBrk="1" latinLnBrk="0" hangingPunct="1">
         <a:spcBef>
           <a:spcPct val="20000"/>
         </a:spcBef>
         <a:buFont typeface="Arial" pitchFamily="34" charset="0"/>
         <a:buChar char="•"/>
-        <a:defRPr sz="2000" kern="1200">
+        <a:defRPr sz="1500" kern="1200">
           <a:solidFill>
             <a:schemeClr val="tx1"/>
           </a:solidFill>
@@ -2927,13 +3383,13 @@
           <a:cs typeface="+mn-cs"/>
         </a:defRPr>
       </a:lvl8pPr>
-      <a:lvl9pPr marL="3886200" indent="-228600" algn="l" defTabSz="914400" rtl="0" eaLnBrk="1" latinLnBrk="0" hangingPunct="1">
+      <a:lvl9pPr marL="2914633" indent="-171449" algn="l" defTabSz="685796" rtl="0" eaLnBrk="1" latinLnBrk="0" hangingPunct="1">
         <a:spcBef>
           <a:spcPct val="20000"/>
         </a:spcBef>
         <a:buFont typeface="Arial" pitchFamily="34" charset="0"/>
         <a:buChar char="•"/>
-        <a:defRPr sz="2000" kern="1200">
+        <a:defRPr sz="1500" kern="1200">
           <a:solidFill>
             <a:schemeClr val="tx1"/>
           </a:solidFill>
@@ -2947,8 +3403,8 @@
       <a:defPPr>
         <a:defRPr lang="en-US"/>
       </a:defPPr>
-      <a:lvl1pPr marL="0" algn="l" defTabSz="914400" rtl="0" eaLnBrk="1" latinLnBrk="0" hangingPunct="1">
-        <a:defRPr sz="1800" kern="1200">
+      <a:lvl1pPr marL="0" algn="l" defTabSz="685796" rtl="0" eaLnBrk="1" latinLnBrk="0" hangingPunct="1">
+        <a:defRPr sz="1350" kern="1200">
           <a:solidFill>
             <a:schemeClr val="tx1"/>
           </a:solidFill>
@@ -2957,8 +3413,8 @@
           <a:cs typeface="+mn-cs"/>
         </a:defRPr>
       </a:lvl1pPr>
-      <a:lvl2pPr marL="457200" algn="l" defTabSz="914400" rtl="0" eaLnBrk="1" latinLnBrk="0" hangingPunct="1">
-        <a:defRPr sz="1800" kern="1200">
+      <a:lvl2pPr marL="342899" algn="l" defTabSz="685796" rtl="0" eaLnBrk="1" latinLnBrk="0" hangingPunct="1">
+        <a:defRPr sz="1350" kern="1200">
           <a:solidFill>
             <a:schemeClr val="tx1"/>
           </a:solidFill>
@@ -2967,8 +3423,8 @@
           <a:cs typeface="+mn-cs"/>
         </a:defRPr>
       </a:lvl2pPr>
-      <a:lvl3pPr marL="914400" algn="l" defTabSz="914400" rtl="0" eaLnBrk="1" latinLnBrk="0" hangingPunct="1">
-        <a:defRPr sz="1800" kern="1200">
+      <a:lvl3pPr marL="685796" algn="l" defTabSz="685796" rtl="0" eaLnBrk="1" latinLnBrk="0" hangingPunct="1">
+        <a:defRPr sz="1350" kern="1200">
           <a:solidFill>
             <a:schemeClr val="tx1"/>
           </a:solidFill>
@@ -2977,8 +3433,8 @@
           <a:cs typeface="+mn-cs"/>
         </a:defRPr>
       </a:lvl3pPr>
-      <a:lvl4pPr marL="1371600" algn="l" defTabSz="914400" rtl="0" eaLnBrk="1" latinLnBrk="0" hangingPunct="1">
-        <a:defRPr sz="1800" kern="1200">
+      <a:lvl4pPr marL="1028694" algn="l" defTabSz="685796" rtl="0" eaLnBrk="1" latinLnBrk="0" hangingPunct="1">
+        <a:defRPr sz="1350" kern="1200">
           <a:solidFill>
             <a:schemeClr val="tx1"/>
           </a:solidFill>
@@ -2987,8 +3443,8 @@
           <a:cs typeface="+mn-cs"/>
         </a:defRPr>
       </a:lvl4pPr>
-      <a:lvl5pPr marL="1828800" algn="l" defTabSz="914400" rtl="0" eaLnBrk="1" latinLnBrk="0" hangingPunct="1">
-        <a:defRPr sz="1800" kern="1200">
+      <a:lvl5pPr marL="1371592" algn="l" defTabSz="685796" rtl="0" eaLnBrk="1" latinLnBrk="0" hangingPunct="1">
+        <a:defRPr sz="1350" kern="1200">
           <a:solidFill>
             <a:schemeClr val="tx1"/>
           </a:solidFill>
@@ -2997,8 +3453,8 @@
           <a:cs typeface="+mn-cs"/>
         </a:defRPr>
       </a:lvl5pPr>
-      <a:lvl6pPr marL="2286000" algn="l" defTabSz="914400" rtl="0" eaLnBrk="1" latinLnBrk="0" hangingPunct="1">
-        <a:defRPr sz="1800" kern="1200">
+      <a:lvl6pPr marL="1714490" algn="l" defTabSz="685796" rtl="0" eaLnBrk="1" latinLnBrk="0" hangingPunct="1">
+        <a:defRPr sz="1350" kern="1200">
           <a:solidFill>
             <a:schemeClr val="tx1"/>
           </a:solidFill>
@@ -3007,8 +3463,8 @@
           <a:cs typeface="+mn-cs"/>
         </a:defRPr>
       </a:lvl6pPr>
-      <a:lvl7pPr marL="2743200" algn="l" defTabSz="914400" rtl="0" eaLnBrk="1" latinLnBrk="0" hangingPunct="1">
-        <a:defRPr sz="1800" kern="1200">
+      <a:lvl7pPr marL="2057389" algn="l" defTabSz="685796" rtl="0" eaLnBrk="1" latinLnBrk="0" hangingPunct="1">
+        <a:defRPr sz="1350" kern="1200">
           <a:solidFill>
             <a:schemeClr val="tx1"/>
           </a:solidFill>
@@ -3017,8 +3473,8 @@
           <a:cs typeface="+mn-cs"/>
         </a:defRPr>
       </a:lvl7pPr>
-      <a:lvl8pPr marL="3200400" algn="l" defTabSz="914400" rtl="0" eaLnBrk="1" latinLnBrk="0" hangingPunct="1">
-        <a:defRPr sz="1800" kern="1200">
+      <a:lvl8pPr marL="2400286" algn="l" defTabSz="685796" rtl="0" eaLnBrk="1" latinLnBrk="0" hangingPunct="1">
+        <a:defRPr sz="1350" kern="1200">
           <a:solidFill>
             <a:schemeClr val="tx1"/>
           </a:solidFill>
@@ -3027,8 +3483,8 @@
           <a:cs typeface="+mn-cs"/>
         </a:defRPr>
       </a:lvl8pPr>
-      <a:lvl9pPr marL="3657600" algn="l" defTabSz="914400" rtl="0" eaLnBrk="1" latinLnBrk="0" hangingPunct="1">
-        <a:defRPr sz="1800" kern="1200">
+      <a:lvl9pPr marL="2743184" algn="l" defTabSz="685796" rtl="0" eaLnBrk="1" latinLnBrk="0" hangingPunct="1">
+        <a:defRPr sz="1350" kern="1200">
           <a:solidFill>
             <a:schemeClr val="tx1"/>
           </a:solidFill>
@@ -3067,8 +3523,8 @@
         </p:nvCxnSpPr>
         <p:spPr>
           <a:xfrm>
-            <a:off x="838200" y="304800"/>
-            <a:ext cx="0" cy="6480000"/>
+            <a:off x="628650" y="228600"/>
+            <a:ext cx="0" cy="5867400"/>
           </a:xfrm>
           <a:prstGeom prst="line">
             <a:avLst/>
@@ -3097,12 +3553,13 @@
         </p:nvCxnSpPr>
         <p:spPr>
           <a:xfrm>
-            <a:off x="838200" y="762000"/>
-            <a:ext cx="4495800" cy="0"/>
-          </a:xfrm>
-          <a:prstGeom prst="line">
-            <a:avLst/>
-          </a:prstGeom>
+            <a:off x="628650" y="683568"/>
+            <a:ext cx="3371850" cy="0"/>
+          </a:xfrm>
+          <a:prstGeom prst="line">
+            <a:avLst/>
+          </a:prstGeom>
+          <a:ln w="15875"/>
         </p:spPr>
         <p:style>
           <a:lnRef idx="1">
@@ -3127,12 +3584,13 @@
         </p:nvCxnSpPr>
         <p:spPr>
           <a:xfrm>
-            <a:off x="838200" y="1295400"/>
-            <a:ext cx="4495800" cy="0"/>
-          </a:xfrm>
-          <a:prstGeom prst="line">
-            <a:avLst/>
-          </a:prstGeom>
+            <a:off x="628650" y="1083618"/>
+            <a:ext cx="3371850" cy="0"/>
+          </a:xfrm>
+          <a:prstGeom prst="line">
+            <a:avLst/>
+          </a:prstGeom>
+          <a:ln w="15875"/>
         </p:spPr>
         <p:style>
           <a:lnRef idx="1">
@@ -3157,12 +3615,13 @@
         </p:nvCxnSpPr>
         <p:spPr>
           <a:xfrm>
-            <a:off x="1600200" y="457200"/>
-            <a:ext cx="0" cy="304800"/>
-          </a:xfrm>
-          <a:prstGeom prst="line">
-            <a:avLst/>
-          </a:prstGeom>
+            <a:off x="1200150" y="454968"/>
+            <a:ext cx="0" cy="228600"/>
+          </a:xfrm>
+          <a:prstGeom prst="line">
+            <a:avLst/>
+          </a:prstGeom>
+          <a:ln w="15875"/>
         </p:spPr>
         <p:style>
           <a:lnRef idx="1">
@@ -3187,12 +3646,13 @@
         </p:nvCxnSpPr>
         <p:spPr>
           <a:xfrm>
-            <a:off x="1600200" y="445008"/>
-            <a:ext cx="2667000" cy="0"/>
-          </a:xfrm>
-          <a:prstGeom prst="line">
-            <a:avLst/>
-          </a:prstGeom>
+            <a:off x="1200150" y="445824"/>
+            <a:ext cx="2000250" cy="0"/>
+          </a:xfrm>
+          <a:prstGeom prst="line">
+            <a:avLst/>
+          </a:prstGeom>
+          <a:ln w="15875"/>
         </p:spPr>
         <p:style>
           <a:lnRef idx="1">
@@ -3217,12 +3677,13 @@
         </p:nvCxnSpPr>
         <p:spPr>
           <a:xfrm flipV="1">
-            <a:off x="4267200" y="457200"/>
-            <a:ext cx="0" cy="304800"/>
-          </a:xfrm>
-          <a:prstGeom prst="line">
-            <a:avLst/>
-          </a:prstGeom>
+            <a:off x="3200400" y="454968"/>
+            <a:ext cx="0" cy="228600"/>
+          </a:xfrm>
+          <a:prstGeom prst="line">
+            <a:avLst/>
+          </a:prstGeom>
+          <a:ln w="15875"/>
         </p:spPr>
         <p:style>
           <a:lnRef idx="1">
@@ -3247,12 +3708,13 @@
         </p:nvCxnSpPr>
         <p:spPr>
           <a:xfrm>
-            <a:off x="1600200" y="990600"/>
-            <a:ext cx="0" cy="304800"/>
-          </a:xfrm>
-          <a:prstGeom prst="line">
-            <a:avLst/>
-          </a:prstGeom>
+            <a:off x="1200150" y="855018"/>
+            <a:ext cx="0" cy="228600"/>
+          </a:xfrm>
+          <a:prstGeom prst="line">
+            <a:avLst/>
+          </a:prstGeom>
+          <a:ln w="15875"/>
         </p:spPr>
         <p:style>
           <a:lnRef idx="1">
@@ -3277,12 +3739,13 @@
         </p:nvCxnSpPr>
         <p:spPr>
           <a:xfrm flipV="1">
-            <a:off x="4267200" y="990600"/>
-            <a:ext cx="0" cy="304800"/>
-          </a:xfrm>
-          <a:prstGeom prst="line">
-            <a:avLst/>
-          </a:prstGeom>
+            <a:off x="3200400" y="855018"/>
+            <a:ext cx="0" cy="228600"/>
+          </a:xfrm>
+          <a:prstGeom prst="line">
+            <a:avLst/>
+          </a:prstGeom>
+          <a:ln w="15875"/>
         </p:spPr>
         <p:style>
           <a:lnRef idx="1">
@@ -3307,12 +3770,13 @@
         </p:nvCxnSpPr>
         <p:spPr>
           <a:xfrm>
-            <a:off x="838200" y="990600"/>
-            <a:ext cx="762000" cy="0"/>
-          </a:xfrm>
-          <a:prstGeom prst="line">
-            <a:avLst/>
-          </a:prstGeom>
+            <a:off x="628650" y="855018"/>
+            <a:ext cx="571500" cy="0"/>
+          </a:xfrm>
+          <a:prstGeom prst="line">
+            <a:avLst/>
+          </a:prstGeom>
+          <a:ln w="15875"/>
         </p:spPr>
         <p:style>
           <a:lnRef idx="1">
@@ -3337,12 +3801,13 @@
         </p:nvCxnSpPr>
         <p:spPr>
           <a:xfrm>
-            <a:off x="4267200" y="990600"/>
-            <a:ext cx="1066800" cy="0"/>
-          </a:xfrm>
-          <a:prstGeom prst="line">
-            <a:avLst/>
-          </a:prstGeom>
+            <a:off x="3200400" y="855018"/>
+            <a:ext cx="800100" cy="0"/>
+          </a:xfrm>
+          <a:prstGeom prst="line">
+            <a:avLst/>
+          </a:prstGeom>
+          <a:ln w="15875"/>
         </p:spPr>
         <p:style>
           <a:lnRef idx="1">
@@ -3367,8 +3832,8 @@
         </p:nvCxnSpPr>
         <p:spPr>
           <a:xfrm>
-            <a:off x="5334000" y="304800"/>
-            <a:ext cx="0" cy="6480000"/>
+            <a:off x="4000500" y="228600"/>
+            <a:ext cx="0" cy="5868000"/>
           </a:xfrm>
           <a:prstGeom prst="line">
             <a:avLst/>
@@ -3400,8 +3865,8 @@
         </p:nvSpPr>
         <p:spPr>
           <a:xfrm>
-            <a:off x="533400" y="381000"/>
-            <a:ext cx="312906" cy="246221"/>
+            <a:off x="368300" y="397818"/>
+            <a:ext cx="298480" cy="230832"/>
           </a:xfrm>
           <a:prstGeom prst="rect">
             <a:avLst/>
@@ -3415,10 +3880,10 @@
           <a:lstStyle/>
           <a:p>
             <a:r>
-              <a:rPr lang="tr-TR" sz="1000" dirty="0" smtClean="0"/>
+              <a:rPr lang="en-US" sz="900" dirty="0" smtClean="0"/>
               <a:t>T1</a:t>
             </a:r>
-            <a:endParaRPr lang="en-US" sz="1000" dirty="0"/>
+            <a:endParaRPr lang="en-US" sz="900" dirty="0"/>
           </a:p>
         </p:txBody>
       </p:sp>
@@ -3430,8 +3895,8 @@
         </p:nvSpPr>
         <p:spPr>
           <a:xfrm>
-            <a:off x="525294" y="914400"/>
-            <a:ext cx="312906" cy="246221"/>
+            <a:off x="362221" y="797868"/>
+            <a:ext cx="298480" cy="230832"/>
           </a:xfrm>
           <a:prstGeom prst="rect">
             <a:avLst/>
@@ -3445,10 +3910,10 @@
           <a:lstStyle/>
           <a:p>
             <a:r>
-              <a:rPr lang="tr-TR" sz="1000" dirty="0" smtClean="0"/>
+              <a:rPr lang="en-US" sz="900" dirty="0" smtClean="0"/>
               <a:t>T4</a:t>
             </a:r>
-            <a:endParaRPr lang="en-US" sz="1000" dirty="0"/>
+            <a:endParaRPr lang="en-US" sz="900" dirty="0"/>
           </a:p>
         </p:txBody>
       </p:sp>
@@ -3460,8 +3925,8 @@
         </p:nvSpPr>
         <p:spPr>
           <a:xfrm>
-            <a:off x="2209800" y="152400"/>
-            <a:ext cx="1288366" cy="276999"/>
+            <a:off x="1672591" y="228600"/>
+            <a:ext cx="1099981" cy="246221"/>
           </a:xfrm>
           <a:prstGeom prst="rect">
             <a:avLst/>
@@ -3475,10 +3940,10 @@
           <a:lstStyle/>
           <a:p>
             <a:r>
-              <a:rPr lang="tr-TR" sz="1200" dirty="0" smtClean="0"/>
+              <a:rPr lang="en-US" sz="1000" dirty="0" smtClean="0"/>
               <a:t>ideal pwm signals</a:t>
             </a:r>
-            <a:endParaRPr lang="en-US" sz="1200" dirty="0"/>
+            <a:endParaRPr lang="en-US" sz="1000" dirty="0"/>
           </a:p>
         </p:txBody>
       </p:sp>
@@ -3490,12 +3955,13 @@
         </p:nvCxnSpPr>
         <p:spPr>
           <a:xfrm>
-            <a:off x="838200" y="2057400"/>
-            <a:ext cx="4495800" cy="0"/>
-          </a:xfrm>
-          <a:prstGeom prst="line">
-            <a:avLst/>
-          </a:prstGeom>
+            <a:off x="628650" y="1655118"/>
+            <a:ext cx="3371850" cy="0"/>
+          </a:xfrm>
+          <a:prstGeom prst="line">
+            <a:avLst/>
+          </a:prstGeom>
+          <a:ln w="15875"/>
         </p:spPr>
         <p:style>
           <a:lnRef idx="1">
@@ -3520,12 +3986,13 @@
         </p:nvCxnSpPr>
         <p:spPr>
           <a:xfrm>
-            <a:off x="838200" y="2590800"/>
-            <a:ext cx="4495800" cy="0"/>
-          </a:xfrm>
-          <a:prstGeom prst="line">
-            <a:avLst/>
-          </a:prstGeom>
+            <a:off x="628650" y="2055168"/>
+            <a:ext cx="3371850" cy="0"/>
+          </a:xfrm>
+          <a:prstGeom prst="line">
+            <a:avLst/>
+          </a:prstGeom>
+          <a:ln w="15875"/>
         </p:spPr>
         <p:style>
           <a:lnRef idx="1">
@@ -3550,12 +4017,13 @@
         </p:nvCxnSpPr>
         <p:spPr>
           <a:xfrm rot="120000">
-            <a:off x="1828800" y="1752600"/>
-            <a:ext cx="0" cy="304800"/>
-          </a:xfrm>
-          <a:prstGeom prst="line">
-            <a:avLst/>
-          </a:prstGeom>
+            <a:off x="1371600" y="1426518"/>
+            <a:ext cx="0" cy="228600"/>
+          </a:xfrm>
+          <a:prstGeom prst="line">
+            <a:avLst/>
+          </a:prstGeom>
+          <a:ln w="15875"/>
         </p:spPr>
         <p:style>
           <a:lnRef idx="1">
@@ -3580,12 +4048,13 @@
         </p:nvCxnSpPr>
         <p:spPr>
           <a:xfrm>
-            <a:off x="1828800" y="1749552"/>
-            <a:ext cx="2438400" cy="0"/>
-          </a:xfrm>
-          <a:prstGeom prst="line">
-            <a:avLst/>
-          </a:prstGeom>
+            <a:off x="1371600" y="1424232"/>
+            <a:ext cx="1828800" cy="0"/>
+          </a:xfrm>
+          <a:prstGeom prst="line">
+            <a:avLst/>
+          </a:prstGeom>
+          <a:ln w="15875"/>
         </p:spPr>
         <p:style>
           <a:lnRef idx="1">
@@ -3610,12 +4079,13 @@
         </p:nvCxnSpPr>
         <p:spPr>
           <a:xfrm rot="-120000" flipV="1">
-            <a:off x="4267200" y="1752600"/>
-            <a:ext cx="0" cy="304800"/>
-          </a:xfrm>
-          <a:prstGeom prst="line">
-            <a:avLst/>
-          </a:prstGeom>
+            <a:off x="3200400" y="1426518"/>
+            <a:ext cx="0" cy="228600"/>
+          </a:xfrm>
+          <a:prstGeom prst="line">
+            <a:avLst/>
+          </a:prstGeom>
+          <a:ln w="15875"/>
         </p:spPr>
         <p:style>
           <a:lnRef idx="1">
@@ -3640,12 +4110,13 @@
         </p:nvCxnSpPr>
         <p:spPr>
           <a:xfrm rot="-120000">
-            <a:off x="1600200" y="2286000"/>
-            <a:ext cx="0" cy="304800"/>
-          </a:xfrm>
-          <a:prstGeom prst="line">
-            <a:avLst/>
-          </a:prstGeom>
+            <a:off x="1200150" y="1826568"/>
+            <a:ext cx="0" cy="228600"/>
+          </a:xfrm>
+          <a:prstGeom prst="line">
+            <a:avLst/>
+          </a:prstGeom>
+          <a:ln w="15875"/>
         </p:spPr>
         <p:style>
           <a:lnRef idx="1">
@@ -3670,12 +4141,13 @@
         </p:nvCxnSpPr>
         <p:spPr>
           <a:xfrm rot="120000" flipV="1">
-            <a:off x="4495800" y="2286000"/>
-            <a:ext cx="0" cy="304800"/>
-          </a:xfrm>
-          <a:prstGeom prst="line">
-            <a:avLst/>
-          </a:prstGeom>
+            <a:off x="3371850" y="1826568"/>
+            <a:ext cx="0" cy="228600"/>
+          </a:xfrm>
+          <a:prstGeom prst="line">
+            <a:avLst/>
+          </a:prstGeom>
+          <a:ln w="15875"/>
         </p:spPr>
         <p:style>
           <a:lnRef idx="1">
@@ -3700,12 +4172,13 @@
         </p:nvCxnSpPr>
         <p:spPr>
           <a:xfrm>
-            <a:off x="838200" y="2286000"/>
-            <a:ext cx="762000" cy="0"/>
-          </a:xfrm>
-          <a:prstGeom prst="line">
-            <a:avLst/>
-          </a:prstGeom>
+            <a:off x="628650" y="1826568"/>
+            <a:ext cx="571500" cy="0"/>
+          </a:xfrm>
+          <a:prstGeom prst="line">
+            <a:avLst/>
+          </a:prstGeom>
+          <a:ln w="15875"/>
         </p:spPr>
         <p:style>
           <a:lnRef idx="1">
@@ -3730,12 +4203,13 @@
         </p:nvCxnSpPr>
         <p:spPr>
           <a:xfrm>
-            <a:off x="4495800" y="2286000"/>
-            <a:ext cx="838200" cy="0"/>
-          </a:xfrm>
-          <a:prstGeom prst="line">
-            <a:avLst/>
-          </a:prstGeom>
+            <a:off x="3371850" y="1826568"/>
+            <a:ext cx="628650" cy="0"/>
+          </a:xfrm>
+          <a:prstGeom prst="line">
+            <a:avLst/>
+          </a:prstGeom>
+          <a:ln w="15875"/>
         </p:spPr>
         <p:style>
           <a:lnRef idx="1">
@@ -3760,8 +4234,8 @@
         </p:nvSpPr>
         <p:spPr>
           <a:xfrm>
-            <a:off x="533400" y="1676400"/>
-            <a:ext cx="380232" cy="246221"/>
+            <a:off x="337820" y="1369368"/>
+            <a:ext cx="359394" cy="230832"/>
           </a:xfrm>
           <a:prstGeom prst="rect">
             <a:avLst/>
@@ -3775,10 +4249,10 @@
           <a:lstStyle/>
           <a:p>
             <a:r>
-              <a:rPr lang="tr-TR" sz="1000" dirty="0" smtClean="0"/>
+              <a:rPr lang="en-US" sz="900" dirty="0" smtClean="0"/>
               <a:t>pT1</a:t>
             </a:r>
-            <a:endParaRPr lang="en-US" sz="1000" dirty="0"/>
+            <a:endParaRPr lang="en-US" sz="900" dirty="0"/>
           </a:p>
         </p:txBody>
       </p:sp>
@@ -3790,8 +4264,8 @@
         </p:nvSpPr>
         <p:spPr>
           <a:xfrm>
-            <a:off x="525294" y="2209800"/>
-            <a:ext cx="380232" cy="246221"/>
+            <a:off x="331741" y="1769418"/>
+            <a:ext cx="359394" cy="230832"/>
           </a:xfrm>
           <a:prstGeom prst="rect">
             <a:avLst/>
@@ -3805,10 +4279,10 @@
           <a:lstStyle/>
           <a:p>
             <a:r>
-              <a:rPr lang="tr-TR" sz="1000" dirty="0" smtClean="0"/>
+              <a:rPr lang="en-US" sz="900" dirty="0" smtClean="0"/>
               <a:t>pT4</a:t>
             </a:r>
-            <a:endParaRPr lang="en-US" sz="1000" dirty="0"/>
+            <a:endParaRPr lang="en-US" sz="900" dirty="0"/>
           </a:p>
         </p:txBody>
       </p:sp>
@@ -3820,8 +4294,8 @@
         </p:nvCxnSpPr>
         <p:spPr>
           <a:xfrm>
-            <a:off x="1828800" y="304800"/>
-            <a:ext cx="0" cy="6480000"/>
+            <a:off x="1371600" y="228600"/>
+            <a:ext cx="0" cy="5868000"/>
           </a:xfrm>
           <a:prstGeom prst="line">
             <a:avLst/>
@@ -3853,8 +4327,8 @@
         </p:nvCxnSpPr>
         <p:spPr>
           <a:xfrm>
-            <a:off x="1600200" y="304800"/>
-            <a:ext cx="0" cy="6480000"/>
+            <a:off x="1200150" y="228600"/>
+            <a:ext cx="0" cy="5868000"/>
           </a:xfrm>
           <a:prstGeom prst="line">
             <a:avLst/>
@@ -3886,8 +4360,8 @@
         </p:nvCxnSpPr>
         <p:spPr>
           <a:xfrm>
-            <a:off x="4495800" y="304800"/>
-            <a:ext cx="0" cy="6480000"/>
+            <a:off x="3371850" y="228600"/>
+            <a:ext cx="0" cy="5868000"/>
           </a:xfrm>
           <a:prstGeom prst="line">
             <a:avLst/>
@@ -3919,8 +4393,8 @@
         </p:nvCxnSpPr>
         <p:spPr>
           <a:xfrm>
-            <a:off x="4267200" y="304800"/>
-            <a:ext cx="0" cy="6480000"/>
+            <a:off x="3200400" y="228600"/>
+            <a:ext cx="0" cy="5868000"/>
           </a:xfrm>
           <a:prstGeom prst="line">
             <a:avLst/>
@@ -3952,8 +4426,8 @@
         </p:nvSpPr>
         <p:spPr>
           <a:xfrm>
-            <a:off x="2133600" y="1524000"/>
-            <a:ext cx="1524000" cy="276999"/>
+            <a:off x="1476691" y="1216969"/>
+            <a:ext cx="1806259" cy="246221"/>
           </a:xfrm>
           <a:prstGeom prst="rect">
             <a:avLst/>
@@ -3967,10 +4441,10 @@
           <a:lstStyle/>
           <a:p>
             <a:r>
-              <a:rPr lang="tr-TR" sz="1200" dirty="0" smtClean="0"/>
-              <a:t>dead time insertion  </a:t>
-            </a:r>
-            <a:endParaRPr lang="en-US" sz="1200" dirty="0"/>
+              <a:rPr lang="en-US" sz="1000" dirty="0" smtClean="0"/>
+              <a:t>after DSP, dead time insertion  </a:t>
+            </a:r>
+            <a:endParaRPr lang="en-US" sz="1000" dirty="0"/>
           </a:p>
         </p:txBody>
       </p:sp>
@@ -3982,13 +4456,13 @@
         </p:nvCxnSpPr>
         <p:spPr>
           <a:xfrm>
-            <a:off x="1600200" y="2667000"/>
-            <a:ext cx="228600" cy="0"/>
+            <a:off x="1200150" y="2112318"/>
+            <a:ext cx="171450" cy="0"/>
           </a:xfrm>
           <a:prstGeom prst="straightConnector1">
             <a:avLst/>
           </a:prstGeom>
-          <a:ln>
+          <a:ln w="15875">
             <a:headEnd type="triangle" w="med" len="med"/>
             <a:tailEnd type="triangle" w="med" len="med"/>
           </a:ln>
@@ -4016,8 +4490,8 @@
         </p:nvSpPr>
         <p:spPr>
           <a:xfrm>
-            <a:off x="1219200" y="2590800"/>
-            <a:ext cx="402674" cy="246221"/>
+            <a:off x="895080" y="2017068"/>
+            <a:ext cx="378475" cy="230832"/>
           </a:xfrm>
           <a:prstGeom prst="rect">
             <a:avLst/>
@@ -4031,14 +4505,14 @@
           <a:lstStyle/>
           <a:p>
             <a:r>
-              <a:rPr lang="tr-TR" sz="1000" dirty="0" smtClean="0"/>
+              <a:rPr lang="en-US" sz="900" dirty="0" smtClean="0"/>
               <a:t>t</a:t>
             </a:r>
             <a:r>
-              <a:rPr lang="tr-TR" sz="1000" baseline="-25000" dirty="0" smtClean="0"/>
+              <a:rPr lang="en-US" sz="900" baseline="-25000" dirty="0" smtClean="0"/>
               <a:t>dead</a:t>
             </a:r>
-            <a:endParaRPr lang="en-US" sz="1000" baseline="-25000" dirty="0"/>
+            <a:endParaRPr lang="en-US" sz="900" baseline="-25000" dirty="0"/>
           </a:p>
         </p:txBody>
       </p:sp>
@@ -4050,13 +4524,13 @@
         </p:nvCxnSpPr>
         <p:spPr>
           <a:xfrm>
-            <a:off x="4267200" y="2667000"/>
-            <a:ext cx="228600" cy="0"/>
+            <a:off x="3200400" y="2112318"/>
+            <a:ext cx="171450" cy="0"/>
           </a:xfrm>
           <a:prstGeom prst="straightConnector1">
             <a:avLst/>
           </a:prstGeom>
-          <a:ln>
+          <a:ln w="15875">
             <a:headEnd type="triangle" w="med" len="med"/>
             <a:tailEnd type="triangle" w="med" len="med"/>
           </a:ln>
@@ -4084,8 +4558,8 @@
         </p:nvSpPr>
         <p:spPr>
           <a:xfrm>
-            <a:off x="3886200" y="2590800"/>
-            <a:ext cx="402674" cy="246221"/>
+            <a:off x="2914650" y="2055168"/>
+            <a:ext cx="378630" cy="230832"/>
           </a:xfrm>
           <a:prstGeom prst="rect">
             <a:avLst/>
@@ -4099,14 +4573,14 @@
           <a:lstStyle/>
           <a:p>
             <a:r>
-              <a:rPr lang="tr-TR" sz="1000" dirty="0" smtClean="0"/>
+              <a:rPr lang="en-US" sz="900" dirty="0" smtClean="0"/>
               <a:t>t</a:t>
             </a:r>
             <a:r>
-              <a:rPr lang="tr-TR" sz="1000" baseline="-25000" dirty="0" smtClean="0"/>
+              <a:rPr lang="en-US" sz="900" baseline="-25000" dirty="0" smtClean="0"/>
               <a:t>dead</a:t>
             </a:r>
-            <a:endParaRPr lang="en-US" sz="1000" baseline="-25000" dirty="0"/>
+            <a:endParaRPr lang="en-US" sz="900" baseline="-25000" dirty="0"/>
           </a:p>
         </p:txBody>
       </p:sp>
@@ -4118,12 +4592,13 @@
         </p:nvCxnSpPr>
         <p:spPr>
           <a:xfrm>
-            <a:off x="838200" y="3584448"/>
-            <a:ext cx="4495800" cy="0"/>
-          </a:xfrm>
-          <a:prstGeom prst="line">
-            <a:avLst/>
-          </a:prstGeom>
+            <a:off x="628650" y="2688336"/>
+            <a:ext cx="3371850" cy="0"/>
+          </a:xfrm>
+          <a:prstGeom prst="line">
+            <a:avLst/>
+          </a:prstGeom>
+          <a:ln w="15875"/>
         </p:spPr>
         <p:style>
           <a:lnRef idx="1">
@@ -4148,12 +4623,13 @@
         </p:nvCxnSpPr>
         <p:spPr>
           <a:xfrm>
-            <a:off x="838200" y="4117848"/>
-            <a:ext cx="4495800" cy="0"/>
-          </a:xfrm>
-          <a:prstGeom prst="line">
-            <a:avLst/>
-          </a:prstGeom>
+            <a:off x="619760" y="3083876"/>
+            <a:ext cx="3418840" cy="0"/>
+          </a:xfrm>
+          <a:prstGeom prst="line">
+            <a:avLst/>
+          </a:prstGeom>
+          <a:ln w="15875"/>
         </p:spPr>
         <p:style>
           <a:lnRef idx="1">
@@ -4178,12 +4654,13 @@
         </p:nvCxnSpPr>
         <p:spPr>
           <a:xfrm rot="480000">
-            <a:off x="1959990" y="3275464"/>
-            <a:ext cx="0" cy="304800"/>
-          </a:xfrm>
-          <a:prstGeom prst="line">
-            <a:avLst/>
-          </a:prstGeom>
+            <a:off x="1469993" y="2456598"/>
+            <a:ext cx="0" cy="228600"/>
+          </a:xfrm>
+          <a:prstGeom prst="line">
+            <a:avLst/>
+          </a:prstGeom>
+          <a:ln w="15875"/>
         </p:spPr>
         <p:style>
           <a:lnRef idx="1">
@@ -4208,12 +4685,13 @@
         </p:nvCxnSpPr>
         <p:spPr>
           <a:xfrm>
-            <a:off x="1981200" y="3276600"/>
-            <a:ext cx="2362200" cy="0"/>
-          </a:xfrm>
-          <a:prstGeom prst="line">
-            <a:avLst/>
-          </a:prstGeom>
+            <a:off x="1485900" y="2457450"/>
+            <a:ext cx="1771650" cy="0"/>
+          </a:xfrm>
+          <a:prstGeom prst="line">
+            <a:avLst/>
+          </a:prstGeom>
+          <a:ln w="15875"/>
         </p:spPr>
         <p:style>
           <a:lnRef idx="1">
@@ -4238,12 +4716,13 @@
         </p:nvCxnSpPr>
         <p:spPr>
           <a:xfrm rot="-240000" flipV="1">
-            <a:off x="4348719" y="3276507"/>
-            <a:ext cx="0" cy="304800"/>
-          </a:xfrm>
-          <a:prstGeom prst="line">
-            <a:avLst/>
-          </a:prstGeom>
+            <a:off x="3261539" y="2457380"/>
+            <a:ext cx="0" cy="228600"/>
+          </a:xfrm>
+          <a:prstGeom prst="line">
+            <a:avLst/>
+          </a:prstGeom>
+          <a:ln w="15875"/>
         </p:spPr>
         <p:style>
           <a:lnRef idx="1">
@@ -4268,12 +4747,13 @@
         </p:nvCxnSpPr>
         <p:spPr>
           <a:xfrm flipV="1">
-            <a:off x="838200" y="3810000"/>
-            <a:ext cx="838200" cy="3048"/>
-          </a:xfrm>
-          <a:prstGeom prst="line">
-            <a:avLst/>
-          </a:prstGeom>
+            <a:off x="628650" y="2857500"/>
+            <a:ext cx="628650" cy="2286"/>
+          </a:xfrm>
+          <a:prstGeom prst="line">
+            <a:avLst/>
+          </a:prstGeom>
+          <a:ln w="15875"/>
         </p:spPr>
         <p:style>
           <a:lnRef idx="1">
@@ -4298,12 +4778,13 @@
         </p:nvCxnSpPr>
         <p:spPr>
           <a:xfrm>
-            <a:off x="4614000" y="3810000"/>
-            <a:ext cx="720000" cy="3048"/>
-          </a:xfrm>
-          <a:prstGeom prst="line">
-            <a:avLst/>
-          </a:prstGeom>
+            <a:off x="3460500" y="2857500"/>
+            <a:ext cx="540000" cy="2286"/>
+          </a:xfrm>
+          <a:prstGeom prst="line">
+            <a:avLst/>
+          </a:prstGeom>
+          <a:ln w="15875"/>
         </p:spPr>
         <p:style>
           <a:lnRef idx="1">
@@ -4328,8 +4809,8 @@
         </p:nvSpPr>
         <p:spPr>
           <a:xfrm>
-            <a:off x="533400" y="3203448"/>
-            <a:ext cx="362600" cy="246221"/>
+            <a:off x="368300" y="2402586"/>
+            <a:ext cx="343364" cy="230832"/>
           </a:xfrm>
           <a:prstGeom prst="rect">
             <a:avLst/>
@@ -4343,14 +4824,10 @@
           <a:lstStyle/>
           <a:p>
             <a:r>
-              <a:rPr lang="tr-TR" sz="1000" dirty="0" smtClean="0"/>
-              <a:t>s</a:t>
-            </a:r>
-            <a:r>
-              <a:rPr lang="tr-TR" sz="1000" dirty="0" smtClean="0"/>
-              <a:t>T1</a:t>
-            </a:r>
-            <a:endParaRPr lang="en-US" sz="1000" dirty="0"/>
+              <a:rPr lang="en-US" sz="900" dirty="0" smtClean="0"/>
+              <a:t>sT1</a:t>
+            </a:r>
+            <a:endParaRPr lang="en-US" sz="900" dirty="0"/>
           </a:p>
         </p:txBody>
       </p:sp>
@@ -4362,8 +4839,8 @@
         </p:nvSpPr>
         <p:spPr>
           <a:xfrm>
-            <a:off x="525294" y="3736848"/>
-            <a:ext cx="362600" cy="246221"/>
+            <a:off x="362220" y="2802636"/>
+            <a:ext cx="343364" cy="230832"/>
           </a:xfrm>
           <a:prstGeom prst="rect">
             <a:avLst/>
@@ -4377,14 +4854,10 @@
           <a:lstStyle/>
           <a:p>
             <a:r>
-              <a:rPr lang="tr-TR" sz="1000" dirty="0" smtClean="0"/>
-              <a:t>s</a:t>
-            </a:r>
-            <a:r>
-              <a:rPr lang="tr-TR" sz="1000" dirty="0" smtClean="0"/>
-              <a:t>T4</a:t>
-            </a:r>
-            <a:endParaRPr lang="en-US" sz="1000" dirty="0"/>
+              <a:rPr lang="en-US" sz="900" dirty="0" smtClean="0"/>
+              <a:t>sT4</a:t>
+            </a:r>
+            <a:endParaRPr lang="en-US" sz="900" dirty="0"/>
           </a:p>
         </p:txBody>
       </p:sp>
@@ -4396,8 +4869,8 @@
         </p:nvSpPr>
         <p:spPr>
           <a:xfrm>
-            <a:off x="2133600" y="3051048"/>
-            <a:ext cx="1524000" cy="276999"/>
+            <a:off x="1796108" y="2239935"/>
+            <a:ext cx="1143000" cy="246221"/>
           </a:xfrm>
           <a:prstGeom prst="rect">
             <a:avLst/>
@@ -4411,10 +4884,10 @@
           <a:lstStyle/>
           <a:p>
             <a:r>
-              <a:rPr lang="tr-TR" sz="1200" dirty="0" smtClean="0"/>
+              <a:rPr lang="en-US" sz="1000" dirty="0" smtClean="0"/>
               <a:t>after gate driver</a:t>
             </a:r>
-            <a:endParaRPr lang="en-US" sz="1200" dirty="0"/>
+            <a:endParaRPr lang="en-US" sz="1000" dirty="0"/>
           </a:p>
         </p:txBody>
       </p:sp>
@@ -4426,8 +4899,8 @@
         </p:nvSpPr>
         <p:spPr>
           <a:xfrm>
-            <a:off x="2037080" y="3657600"/>
-            <a:ext cx="317716" cy="246221"/>
+            <a:off x="1592580" y="4446147"/>
+            <a:ext cx="1247457" cy="230832"/>
           </a:xfrm>
           <a:prstGeom prst="rect">
             <a:avLst/>
@@ -4441,14 +4914,30 @@
           <a:lstStyle/>
           <a:p>
             <a:r>
-              <a:rPr lang="tr-TR" sz="1000" dirty="0" smtClean="0"/>
+              <a:rPr lang="en-US" sz="900" dirty="0" smtClean="0"/>
               <a:t>t</a:t>
             </a:r>
             <a:r>
-              <a:rPr lang="tr-TR" sz="1000" baseline="-25000" dirty="0" smtClean="0"/>
-              <a:t>on</a:t>
-            </a:r>
-            <a:endParaRPr lang="en-US" sz="1000" baseline="-25000" dirty="0"/>
+              <a:rPr lang="en-US" sz="900" baseline="-25000" dirty="0" smtClean="0"/>
+              <a:t>on_MOSFET </a:t>
+            </a:r>
+            <a:r>
+              <a:rPr lang="en-US" sz="900" dirty="0" smtClean="0"/>
+              <a:t> = t</a:t>
+            </a:r>
+            <a:r>
+              <a:rPr lang="en-US" sz="900" baseline="-25000" dirty="0" smtClean="0"/>
+              <a:t>on_delay </a:t>
+            </a:r>
+            <a:r>
+              <a:rPr lang="en-US" sz="900" dirty="0" smtClean="0"/>
+              <a:t> + t</a:t>
+            </a:r>
+            <a:r>
+              <a:rPr lang="en-US" sz="900" baseline="-25000" dirty="0" smtClean="0"/>
+              <a:t>r</a:t>
+            </a:r>
+            <a:endParaRPr lang="en-US" sz="900" baseline="-25000" dirty="0"/>
           </a:p>
         </p:txBody>
       </p:sp>
@@ -4460,8 +4949,8 @@
         </p:nvSpPr>
         <p:spPr>
           <a:xfrm>
-            <a:off x="1219200" y="3810000"/>
-            <a:ext cx="253596" cy="246221"/>
+            <a:off x="578050" y="2857500"/>
+            <a:ext cx="603050" cy="230832"/>
           </a:xfrm>
           <a:prstGeom prst="rect">
             <a:avLst/>
@@ -4475,14 +4964,14 @@
           <a:lstStyle/>
           <a:p>
             <a:r>
-              <a:rPr lang="tr-TR" sz="1000" dirty="0" smtClean="0"/>
+              <a:rPr lang="en-US" sz="900" dirty="0" smtClean="0"/>
               <a:t>t</a:t>
             </a:r>
             <a:r>
-              <a:rPr lang="tr-TR" sz="1000" baseline="-25000" dirty="0" smtClean="0"/>
-              <a:t>f</a:t>
-            </a:r>
-            <a:endParaRPr lang="en-US" sz="1000" baseline="-25000" dirty="0"/>
+              <a:rPr lang="en-US" sz="900" baseline="-25000" dirty="0" smtClean="0"/>
+              <a:t>f__gate_drv</a:t>
+            </a:r>
+            <a:endParaRPr lang="en-US" sz="900" baseline="-25000" dirty="0"/>
           </a:p>
         </p:txBody>
       </p:sp>
@@ -4494,8 +4983,8 @@
         </p:nvCxnSpPr>
         <p:spPr>
           <a:xfrm>
-            <a:off x="1930400" y="304800"/>
-            <a:ext cx="0" cy="6480000"/>
+            <a:off x="1447800" y="228600"/>
+            <a:ext cx="0" cy="5868000"/>
           </a:xfrm>
           <a:prstGeom prst="line">
             <a:avLst/>
@@ -4527,8 +5016,8 @@
         </p:nvCxnSpPr>
         <p:spPr>
           <a:xfrm>
-            <a:off x="1981200" y="304800"/>
-            <a:ext cx="0" cy="6480000"/>
+            <a:off x="1485900" y="228600"/>
+            <a:ext cx="0" cy="5868000"/>
           </a:xfrm>
           <a:prstGeom prst="line">
             <a:avLst/>
@@ -4560,8 +5049,8 @@
         </p:nvCxnSpPr>
         <p:spPr>
           <a:xfrm>
-            <a:off x="4343400" y="304800"/>
-            <a:ext cx="0" cy="6480000"/>
+            <a:off x="3257550" y="228600"/>
+            <a:ext cx="0" cy="5868000"/>
           </a:xfrm>
           <a:prstGeom prst="line">
             <a:avLst/>
@@ -4593,12 +5082,13 @@
         </p:nvCxnSpPr>
         <p:spPr>
           <a:xfrm rot="480000">
-            <a:off x="4593210" y="3808517"/>
-            <a:ext cx="0" cy="304800"/>
-          </a:xfrm>
-          <a:prstGeom prst="line">
-            <a:avLst/>
-          </a:prstGeom>
+            <a:off x="3444908" y="2856388"/>
+            <a:ext cx="0" cy="228600"/>
+          </a:xfrm>
+          <a:prstGeom prst="line">
+            <a:avLst/>
+          </a:prstGeom>
+          <a:ln w="15875"/>
         </p:spPr>
         <p:style>
           <a:lnRef idx="1">
@@ -4623,12 +5113,13 @@
         </p:nvCxnSpPr>
         <p:spPr>
           <a:xfrm rot="-240000" flipV="1">
-            <a:off x="1687031" y="3809628"/>
-            <a:ext cx="0" cy="304800"/>
-          </a:xfrm>
-          <a:prstGeom prst="line">
-            <a:avLst/>
-          </a:prstGeom>
+            <a:off x="1265273" y="2857221"/>
+            <a:ext cx="0" cy="228600"/>
+          </a:xfrm>
+          <a:prstGeom prst="line">
+            <a:avLst/>
+          </a:prstGeom>
+          <a:ln w="15875"/>
         </p:spPr>
         <p:style>
           <a:lnRef idx="1">
@@ -4653,8 +5144,8 @@
         </p:nvCxnSpPr>
         <p:spPr>
           <a:xfrm>
-            <a:off x="1676400" y="304800"/>
-            <a:ext cx="0" cy="6480000"/>
+            <a:off x="1257300" y="228600"/>
+            <a:ext cx="0" cy="5868000"/>
           </a:xfrm>
           <a:prstGeom prst="line">
             <a:avLst/>
@@ -4686,8 +5177,8 @@
         </p:nvCxnSpPr>
         <p:spPr>
           <a:xfrm>
-            <a:off x="4610100" y="304800"/>
-            <a:ext cx="0" cy="6480000"/>
+            <a:off x="3457575" y="228600"/>
+            <a:ext cx="0" cy="5868000"/>
           </a:xfrm>
           <a:prstGeom prst="line">
             <a:avLst/>
@@ -4719,8 +5210,8 @@
         </p:nvCxnSpPr>
         <p:spPr>
           <a:xfrm>
-            <a:off x="4572000" y="304800"/>
-            <a:ext cx="0" cy="6480000"/>
+            <a:off x="3429000" y="228600"/>
+            <a:ext cx="0" cy="5868000"/>
           </a:xfrm>
           <a:prstGeom prst="line">
             <a:avLst/>
@@ -4752,12 +5243,13 @@
         </p:nvCxnSpPr>
         <p:spPr>
           <a:xfrm>
-            <a:off x="1874520" y="3581400"/>
-            <a:ext cx="228600" cy="199311"/>
-          </a:xfrm>
-          <a:prstGeom prst="line">
-            <a:avLst/>
-          </a:prstGeom>
+            <a:off x="1405890" y="2686051"/>
+            <a:ext cx="171450" cy="149483"/>
+          </a:xfrm>
+          <a:prstGeom prst="line">
+            <a:avLst/>
+          </a:prstGeom>
+          <a:ln w="15875"/>
         </p:spPr>
         <p:style>
           <a:lnRef idx="1">
@@ -4782,8 +5274,8 @@
         </p:nvSpPr>
         <p:spPr>
           <a:xfrm>
-            <a:off x="2133600" y="3352800"/>
-            <a:ext cx="258404" cy="246221"/>
+            <a:off x="1590674" y="2438400"/>
+            <a:ext cx="606256" cy="230832"/>
           </a:xfrm>
           <a:prstGeom prst="rect">
             <a:avLst/>
@@ -4797,14 +5289,14 @@
           <a:lstStyle/>
           <a:p>
             <a:r>
-              <a:rPr lang="tr-TR" sz="1000" dirty="0" smtClean="0"/>
+              <a:rPr lang="tr-TR" sz="900" dirty="0"/>
               <a:t>t</a:t>
             </a:r>
             <a:r>
-              <a:rPr lang="tr-TR" sz="1000" baseline="-25000" dirty="0" smtClean="0"/>
-              <a:t>r</a:t>
-            </a:r>
-            <a:endParaRPr lang="en-US" sz="1000" baseline="-25000" dirty="0"/>
+              <a:rPr lang="en-US" sz="900" baseline="-25000" dirty="0" smtClean="0"/>
+              <a:t>r__gate_drv</a:t>
+            </a:r>
+            <a:endParaRPr lang="en-US" sz="900" baseline="-25000" dirty="0"/>
           </a:p>
         </p:txBody>
       </p:sp>
@@ -4816,8 +5308,8 @@
         </p:nvCxnSpPr>
         <p:spPr>
           <a:xfrm flipV="1">
-            <a:off x="1965960" y="3475911"/>
-            <a:ext cx="228600" cy="105489"/>
+            <a:off x="1474470" y="2606934"/>
+            <a:ext cx="171450" cy="79117"/>
           </a:xfrm>
           <a:prstGeom prst="line">
             <a:avLst/>
@@ -4846,8 +5338,8 @@
         </p:nvCxnSpPr>
         <p:spPr>
           <a:xfrm flipH="1">
-            <a:off x="1417320" y="4114800"/>
-            <a:ext cx="228600" cy="152400"/>
+            <a:off x="1062990" y="3086100"/>
+            <a:ext cx="171450" cy="114300"/>
           </a:xfrm>
           <a:prstGeom prst="line">
             <a:avLst/>
@@ -4876,8 +5368,8 @@
         </p:nvSpPr>
         <p:spPr>
           <a:xfrm>
-            <a:off x="1219200" y="4191000"/>
-            <a:ext cx="324128" cy="246221"/>
+            <a:off x="559425" y="3110123"/>
+            <a:ext cx="835485" cy="230832"/>
           </a:xfrm>
           <a:prstGeom prst="rect">
             <a:avLst/>
@@ -4891,33 +5383,1952 @@
           <a:lstStyle/>
           <a:p>
             <a:r>
+              <a:rPr lang="en-US" sz="900" dirty="0" smtClean="0"/>
+              <a:t>t</a:t>
+            </a:r>
+            <a:r>
+              <a:rPr lang="en-US" sz="900" baseline="-25000" dirty="0" smtClean="0"/>
+              <a:t>off_delay_gate_drv</a:t>
+            </a:r>
+            <a:endParaRPr lang="en-US" sz="900" baseline="-25000" dirty="0"/>
+          </a:p>
+        </p:txBody>
+      </p:sp>
+      <p:cxnSp>
+        <p:nvCxnSpPr>
+          <p:cNvPr id="159" name="Straight Connector 158"/>
+          <p:cNvCxnSpPr/>
+          <p:nvPr/>
+        </p:nvCxnSpPr>
+        <p:spPr>
+          <a:xfrm>
+            <a:off x="1080048" y="3033468"/>
+            <a:ext cx="170523" cy="0"/>
+          </a:xfrm>
+          <a:prstGeom prst="line">
+            <a:avLst/>
+          </a:prstGeom>
+          <a:ln w="15875"/>
+        </p:spPr>
+        <p:style>
+          <a:lnRef idx="1">
+            <a:schemeClr val="accent1"/>
+          </a:lnRef>
+          <a:fillRef idx="0">
+            <a:schemeClr val="accent1"/>
+          </a:fillRef>
+          <a:effectRef idx="0">
+            <a:schemeClr val="accent1"/>
+          </a:effectRef>
+          <a:fontRef idx="minor">
+            <a:schemeClr val="tx1"/>
+          </a:fontRef>
+        </p:style>
+      </p:cxnSp>
+      <p:cxnSp>
+        <p:nvCxnSpPr>
+          <p:cNvPr id="75" name="Straight Connector 74"/>
+          <p:cNvCxnSpPr/>
+          <p:nvPr/>
+        </p:nvCxnSpPr>
+        <p:spPr>
+          <a:xfrm>
+            <a:off x="628650" y="3875270"/>
+            <a:ext cx="3371850" cy="0"/>
+          </a:xfrm>
+          <a:prstGeom prst="line">
+            <a:avLst/>
+          </a:prstGeom>
+          <a:ln w="15875"/>
+        </p:spPr>
+        <p:style>
+          <a:lnRef idx="1">
+            <a:schemeClr val="accent1"/>
+          </a:lnRef>
+          <a:fillRef idx="0">
+            <a:schemeClr val="accent1"/>
+          </a:fillRef>
+          <a:effectRef idx="0">
+            <a:schemeClr val="accent1"/>
+          </a:effectRef>
+          <a:fontRef idx="minor">
+            <a:schemeClr val="tx1"/>
+          </a:fontRef>
+        </p:style>
+      </p:cxnSp>
+      <p:sp>
+        <p:nvSpPr>
+          <p:cNvPr id="87" name="TextBox 86"/>
+          <p:cNvSpPr txBox="1"/>
+          <p:nvPr/>
+        </p:nvSpPr>
+        <p:spPr>
+          <a:xfrm>
+            <a:off x="349250" y="3589521"/>
+            <a:ext cx="365806" cy="230832"/>
+          </a:xfrm>
+          <a:prstGeom prst="rect">
+            <a:avLst/>
+          </a:prstGeom>
+          <a:noFill/>
+        </p:spPr>
+        <p:txBody>
+          <a:bodyPr wrap="none" rtlCol="0">
+            <a:spAutoFit/>
+          </a:bodyPr>
+          <a:lstStyle/>
+          <a:p>
+            <a:r>
+              <a:rPr lang="en-US" sz="900" dirty="0" smtClean="0"/>
+              <a:t>Van</a:t>
+            </a:r>
+            <a:endParaRPr lang="en-US" sz="900" dirty="0"/>
+          </a:p>
+        </p:txBody>
+      </p:sp>
+      <p:cxnSp>
+        <p:nvCxnSpPr>
+          <p:cNvPr id="112" name="Straight Connector 111"/>
+          <p:cNvCxnSpPr/>
+          <p:nvPr/>
+        </p:nvCxnSpPr>
+        <p:spPr>
+          <a:xfrm>
+            <a:off x="1200150" y="3486151"/>
+            <a:ext cx="0" cy="396757"/>
+          </a:xfrm>
+          <a:prstGeom prst="line">
+            <a:avLst/>
+          </a:prstGeom>
+          <a:ln w="15875"/>
+        </p:spPr>
+        <p:style>
+          <a:lnRef idx="1">
+            <a:schemeClr val="accent1"/>
+          </a:lnRef>
+          <a:fillRef idx="0">
+            <a:schemeClr val="accent1"/>
+          </a:fillRef>
+          <a:effectRef idx="0">
+            <a:schemeClr val="accent1"/>
+          </a:effectRef>
+          <a:fontRef idx="minor">
+            <a:schemeClr val="tx1"/>
+          </a:fontRef>
+        </p:style>
+      </p:cxnSp>
+      <p:cxnSp>
+        <p:nvCxnSpPr>
+          <p:cNvPr id="113" name="Straight Connector 112"/>
+          <p:cNvCxnSpPr/>
+          <p:nvPr/>
+        </p:nvCxnSpPr>
+        <p:spPr>
+          <a:xfrm>
+            <a:off x="1200150" y="3486150"/>
+            <a:ext cx="2000250" cy="0"/>
+          </a:xfrm>
+          <a:prstGeom prst="line">
+            <a:avLst/>
+          </a:prstGeom>
+          <a:ln w="15875"/>
+        </p:spPr>
+        <p:style>
+          <a:lnRef idx="1">
+            <a:schemeClr val="accent1"/>
+          </a:lnRef>
+          <a:fillRef idx="0">
+            <a:schemeClr val="accent1"/>
+          </a:fillRef>
+          <a:effectRef idx="0">
+            <a:schemeClr val="accent1"/>
+          </a:effectRef>
+          <a:fontRef idx="minor">
+            <a:schemeClr val="tx1"/>
+          </a:fontRef>
+        </p:style>
+      </p:cxnSp>
+      <p:cxnSp>
+        <p:nvCxnSpPr>
+          <p:cNvPr id="114" name="Straight Connector 113"/>
+          <p:cNvCxnSpPr/>
+          <p:nvPr/>
+        </p:nvCxnSpPr>
+        <p:spPr>
+          <a:xfrm flipV="1">
+            <a:off x="3200400" y="3486151"/>
+            <a:ext cx="0" cy="396757"/>
+          </a:xfrm>
+          <a:prstGeom prst="line">
+            <a:avLst/>
+          </a:prstGeom>
+          <a:ln w="15875"/>
+        </p:spPr>
+        <p:style>
+          <a:lnRef idx="1">
+            <a:schemeClr val="accent1"/>
+          </a:lnRef>
+          <a:fillRef idx="0">
+            <a:schemeClr val="accent1"/>
+          </a:fillRef>
+          <a:effectRef idx="0">
+            <a:schemeClr val="accent1"/>
+          </a:effectRef>
+          <a:fontRef idx="minor">
+            <a:schemeClr val="tx1"/>
+          </a:fontRef>
+        </p:style>
+      </p:cxnSp>
+      <p:sp>
+        <p:nvSpPr>
+          <p:cNvPr id="116" name="TextBox 115"/>
+          <p:cNvSpPr txBox="1"/>
+          <p:nvPr/>
+        </p:nvSpPr>
+        <p:spPr>
+          <a:xfrm>
+            <a:off x="1849791" y="3274295"/>
+            <a:ext cx="1269899" cy="246221"/>
+          </a:xfrm>
+          <a:prstGeom prst="rect">
+            <a:avLst/>
+          </a:prstGeom>
+          <a:noFill/>
+        </p:spPr>
+        <p:txBody>
+          <a:bodyPr wrap="none" rtlCol="0">
+            <a:spAutoFit/>
+          </a:bodyPr>
+          <a:lstStyle/>
+          <a:p>
+            <a:r>
+              <a:rPr lang="en-US" sz="1000" dirty="0" smtClean="0"/>
+              <a:t>Van </a:t>
+            </a:r>
+            <a:r>
               <a:rPr lang="tr-TR" sz="1000" dirty="0" smtClean="0"/>
+              <a:t>when </a:t>
+            </a:r>
+            <a:r>
+              <a:rPr lang="en-US" sz="1000" dirty="0" smtClean="0"/>
+              <a:t>ideal </a:t>
+            </a:r>
+            <a:r>
+              <a:rPr lang="en-US" sz="1000" dirty="0" smtClean="0"/>
+              <a:t>case</a:t>
+            </a:r>
+            <a:endParaRPr lang="en-US" sz="1000" dirty="0"/>
+          </a:p>
+        </p:txBody>
+      </p:sp>
+      <p:cxnSp>
+        <p:nvCxnSpPr>
+          <p:cNvPr id="117" name="Straight Connector 116"/>
+          <p:cNvCxnSpPr/>
+          <p:nvPr/>
+        </p:nvCxnSpPr>
+        <p:spPr>
+          <a:xfrm>
+            <a:off x="634730" y="3486150"/>
+            <a:ext cx="3365770" cy="0"/>
+          </a:xfrm>
+          <a:prstGeom prst="line">
+            <a:avLst/>
+          </a:prstGeom>
+          <a:ln w="9525">
+            <a:prstDash val="dashDot"/>
+          </a:ln>
+        </p:spPr>
+        <p:style>
+          <a:lnRef idx="1">
+            <a:schemeClr val="accent1"/>
+          </a:lnRef>
+          <a:fillRef idx="0">
+            <a:schemeClr val="accent1"/>
+          </a:fillRef>
+          <a:effectRef idx="0">
+            <a:schemeClr val="accent1"/>
+          </a:effectRef>
+          <a:fontRef idx="minor">
+            <a:schemeClr val="tx1"/>
+          </a:fontRef>
+        </p:style>
+      </p:cxnSp>
+      <p:sp>
+        <p:nvSpPr>
+          <p:cNvPr id="118" name="TextBox 117"/>
+          <p:cNvSpPr txBox="1"/>
+          <p:nvPr/>
+        </p:nvSpPr>
+        <p:spPr>
+          <a:xfrm>
+            <a:off x="349250" y="3359120"/>
+            <a:ext cx="359394" cy="230832"/>
+          </a:xfrm>
+          <a:prstGeom prst="rect">
+            <a:avLst/>
+          </a:prstGeom>
+          <a:noFill/>
+        </p:spPr>
+        <p:txBody>
+          <a:bodyPr wrap="none" rtlCol="0">
+            <a:spAutoFit/>
+          </a:bodyPr>
+          <a:lstStyle/>
+          <a:p>
+            <a:r>
+              <a:rPr lang="en-US" sz="900" dirty="0" smtClean="0"/>
+              <a:t>Vdc</a:t>
+            </a:r>
+            <a:endParaRPr lang="en-US" sz="900" dirty="0"/>
+          </a:p>
+        </p:txBody>
+      </p:sp>
+      <p:cxnSp>
+        <p:nvCxnSpPr>
+          <p:cNvPr id="119" name="Straight Connector 118"/>
+          <p:cNvCxnSpPr/>
+          <p:nvPr/>
+        </p:nvCxnSpPr>
+        <p:spPr>
+          <a:xfrm>
+            <a:off x="628650" y="4678210"/>
+            <a:ext cx="3371850" cy="0"/>
+          </a:xfrm>
+          <a:prstGeom prst="line">
+            <a:avLst/>
+          </a:prstGeom>
+          <a:ln w="15875"/>
+        </p:spPr>
+        <p:style>
+          <a:lnRef idx="1">
+            <a:schemeClr val="accent1"/>
+          </a:lnRef>
+          <a:fillRef idx="0">
+            <a:schemeClr val="accent1"/>
+          </a:fillRef>
+          <a:effectRef idx="0">
+            <a:schemeClr val="accent1"/>
+          </a:effectRef>
+          <a:fontRef idx="minor">
+            <a:schemeClr val="tx1"/>
+          </a:fontRef>
+        </p:style>
+      </p:cxnSp>
+      <p:sp>
+        <p:nvSpPr>
+          <p:cNvPr id="120" name="TextBox 119"/>
+          <p:cNvSpPr txBox="1"/>
+          <p:nvPr/>
+        </p:nvSpPr>
+        <p:spPr>
+          <a:xfrm>
+            <a:off x="349250" y="4392461"/>
+            <a:ext cx="365806" cy="230832"/>
+          </a:xfrm>
+          <a:prstGeom prst="rect">
+            <a:avLst/>
+          </a:prstGeom>
+          <a:noFill/>
+        </p:spPr>
+        <p:txBody>
+          <a:bodyPr wrap="none" rtlCol="0">
+            <a:spAutoFit/>
+          </a:bodyPr>
+          <a:lstStyle/>
+          <a:p>
+            <a:r>
+              <a:rPr lang="en-US" sz="900" dirty="0" smtClean="0"/>
+              <a:t>Van</a:t>
+            </a:r>
+            <a:endParaRPr lang="en-US" sz="900" dirty="0"/>
+          </a:p>
+        </p:txBody>
+      </p:sp>
+      <p:cxnSp>
+        <p:nvCxnSpPr>
+          <p:cNvPr id="121" name="Straight Connector 120"/>
+          <p:cNvCxnSpPr/>
+          <p:nvPr/>
+        </p:nvCxnSpPr>
+        <p:spPr>
+          <a:xfrm>
+            <a:off x="1248503" y="4709661"/>
+            <a:ext cx="23858" cy="46551"/>
+          </a:xfrm>
+          <a:prstGeom prst="line">
+            <a:avLst/>
+          </a:prstGeom>
+          <a:ln w="15875"/>
+        </p:spPr>
+        <p:style>
+          <a:lnRef idx="1">
+            <a:schemeClr val="accent1"/>
+          </a:lnRef>
+          <a:fillRef idx="0">
+            <a:schemeClr val="accent1"/>
+          </a:fillRef>
+          <a:effectRef idx="0">
+            <a:schemeClr val="accent1"/>
+          </a:effectRef>
+          <a:fontRef idx="minor">
+            <a:schemeClr val="tx1"/>
+          </a:fontRef>
+        </p:style>
+      </p:cxnSp>
+      <p:cxnSp>
+        <p:nvCxnSpPr>
+          <p:cNvPr id="122" name="Straight Connector 121"/>
+          <p:cNvCxnSpPr/>
+          <p:nvPr/>
+        </p:nvCxnSpPr>
+        <p:spPr>
+          <a:xfrm>
+            <a:off x="628650" y="4707516"/>
+            <a:ext cx="622800" cy="0"/>
+          </a:xfrm>
+          <a:prstGeom prst="line">
+            <a:avLst/>
+          </a:prstGeom>
+          <a:ln w="15875"/>
+        </p:spPr>
+        <p:style>
+          <a:lnRef idx="1">
+            <a:schemeClr val="accent1"/>
+          </a:lnRef>
+          <a:fillRef idx="0">
+            <a:schemeClr val="accent1"/>
+          </a:fillRef>
+          <a:effectRef idx="0">
+            <a:schemeClr val="accent1"/>
+          </a:effectRef>
+          <a:fontRef idx="minor">
+            <a:schemeClr val="tx1"/>
+          </a:fontRef>
+        </p:style>
+      </p:cxnSp>
+      <p:cxnSp>
+        <p:nvCxnSpPr>
+          <p:cNvPr id="124" name="Straight Connector 123"/>
+          <p:cNvCxnSpPr/>
+          <p:nvPr/>
+        </p:nvCxnSpPr>
+        <p:spPr>
+          <a:xfrm rot="180000" flipV="1">
+            <a:off x="1527810" y="4327117"/>
+            <a:ext cx="0" cy="429096"/>
+          </a:xfrm>
+          <a:prstGeom prst="line">
+            <a:avLst/>
+          </a:prstGeom>
+          <a:ln w="15875"/>
+        </p:spPr>
+        <p:style>
+          <a:lnRef idx="1">
+            <a:schemeClr val="accent1"/>
+          </a:lnRef>
+          <a:fillRef idx="0">
+            <a:schemeClr val="accent1"/>
+          </a:fillRef>
+          <a:effectRef idx="0">
+            <a:schemeClr val="accent1"/>
+          </a:effectRef>
+          <a:fontRef idx="minor">
+            <a:schemeClr val="tx1"/>
+          </a:fontRef>
+        </p:style>
+      </p:cxnSp>
+      <p:sp>
+        <p:nvSpPr>
+          <p:cNvPr id="125" name="TextBox 124"/>
+          <p:cNvSpPr txBox="1"/>
+          <p:nvPr/>
+        </p:nvSpPr>
+        <p:spPr>
+          <a:xfrm>
+            <a:off x="1905000" y="4070885"/>
+            <a:ext cx="1039067" cy="246221"/>
+          </a:xfrm>
+          <a:prstGeom prst="rect">
+            <a:avLst/>
+          </a:prstGeom>
+          <a:noFill/>
+        </p:spPr>
+        <p:txBody>
+          <a:bodyPr wrap="none" rtlCol="0">
+            <a:spAutoFit/>
+          </a:bodyPr>
+          <a:lstStyle/>
+          <a:p>
+            <a:r>
+              <a:rPr lang="en-US" sz="1000" dirty="0" smtClean="0"/>
+              <a:t>Van when ia  &gt; 0</a:t>
+            </a:r>
+            <a:endParaRPr lang="en-US" sz="1000" dirty="0"/>
+          </a:p>
+        </p:txBody>
+      </p:sp>
+      <p:cxnSp>
+        <p:nvCxnSpPr>
+          <p:cNvPr id="126" name="Straight Connector 125"/>
+          <p:cNvCxnSpPr/>
+          <p:nvPr/>
+        </p:nvCxnSpPr>
+        <p:spPr>
+          <a:xfrm>
+            <a:off x="634730" y="4289090"/>
+            <a:ext cx="3365770" cy="0"/>
+          </a:xfrm>
+          <a:prstGeom prst="line">
+            <a:avLst/>
+          </a:prstGeom>
+          <a:ln>
+            <a:prstDash val="dashDot"/>
+          </a:ln>
+        </p:spPr>
+        <p:style>
+          <a:lnRef idx="1">
+            <a:schemeClr val="accent1"/>
+          </a:lnRef>
+          <a:fillRef idx="0">
+            <a:schemeClr val="accent1"/>
+          </a:fillRef>
+          <a:effectRef idx="0">
+            <a:schemeClr val="accent1"/>
+          </a:effectRef>
+          <a:fontRef idx="minor">
+            <a:schemeClr val="tx1"/>
+          </a:fontRef>
+        </p:style>
+      </p:cxnSp>
+      <p:sp>
+        <p:nvSpPr>
+          <p:cNvPr id="127" name="TextBox 126"/>
+          <p:cNvSpPr txBox="1"/>
+          <p:nvPr/>
+        </p:nvSpPr>
+        <p:spPr>
+          <a:xfrm>
+            <a:off x="333721" y="4152134"/>
+            <a:ext cx="359394" cy="230832"/>
+          </a:xfrm>
+          <a:prstGeom prst="rect">
+            <a:avLst/>
+          </a:prstGeom>
+          <a:noFill/>
+        </p:spPr>
+        <p:txBody>
+          <a:bodyPr wrap="none" rtlCol="0">
+            <a:spAutoFit/>
+          </a:bodyPr>
+          <a:lstStyle/>
+          <a:p>
+            <a:r>
+              <a:rPr lang="en-US" sz="900" dirty="0" smtClean="0"/>
+              <a:t>Vdc</a:t>
+            </a:r>
+            <a:endParaRPr lang="en-US" sz="900" dirty="0"/>
+          </a:p>
+        </p:txBody>
+      </p:sp>
+      <p:cxnSp>
+        <p:nvCxnSpPr>
+          <p:cNvPr id="128" name="Straight Connector 127"/>
+          <p:cNvCxnSpPr/>
+          <p:nvPr/>
+        </p:nvCxnSpPr>
+        <p:spPr>
+          <a:xfrm>
+            <a:off x="1261288" y="4756212"/>
+            <a:ext cx="259200" cy="0"/>
+          </a:xfrm>
+          <a:prstGeom prst="line">
+            <a:avLst/>
+          </a:prstGeom>
+          <a:ln w="15875"/>
+        </p:spPr>
+        <p:style>
+          <a:lnRef idx="1">
+            <a:schemeClr val="accent1"/>
+          </a:lnRef>
+          <a:fillRef idx="0">
+            <a:schemeClr val="accent1"/>
+          </a:fillRef>
+          <a:effectRef idx="0">
+            <a:schemeClr val="accent1"/>
+          </a:effectRef>
+          <a:fontRef idx="minor">
+            <a:schemeClr val="tx1"/>
+          </a:fontRef>
+        </p:style>
+      </p:cxnSp>
+      <p:cxnSp>
+        <p:nvCxnSpPr>
+          <p:cNvPr id="93" name="Straight Connector 92"/>
+          <p:cNvCxnSpPr/>
+          <p:nvPr/>
+        </p:nvCxnSpPr>
+        <p:spPr>
+          <a:xfrm>
+            <a:off x="1538289" y="4319974"/>
+            <a:ext cx="1764000" cy="0"/>
+          </a:xfrm>
+          <a:prstGeom prst="line">
+            <a:avLst/>
+          </a:prstGeom>
+          <a:ln w="15875"/>
+        </p:spPr>
+        <p:style>
+          <a:lnRef idx="1">
+            <a:schemeClr val="accent1"/>
+          </a:lnRef>
+          <a:fillRef idx="0">
+            <a:schemeClr val="accent1"/>
+          </a:fillRef>
+          <a:effectRef idx="0">
+            <a:schemeClr val="accent1"/>
+          </a:effectRef>
+          <a:fontRef idx="minor">
+            <a:schemeClr val="tx1"/>
+          </a:fontRef>
+        </p:style>
+      </p:cxnSp>
+      <p:cxnSp>
+        <p:nvCxnSpPr>
+          <p:cNvPr id="97" name="Straight Connector 96"/>
+          <p:cNvCxnSpPr/>
+          <p:nvPr/>
+        </p:nvCxnSpPr>
+        <p:spPr>
+          <a:xfrm flipV="1">
+            <a:off x="3324314" y="4755919"/>
+            <a:ext cx="180886" cy="293"/>
+          </a:xfrm>
+          <a:prstGeom prst="line">
+            <a:avLst/>
+          </a:prstGeom>
+          <a:ln w="15875"/>
+        </p:spPr>
+        <p:style>
+          <a:lnRef idx="1">
+            <a:schemeClr val="accent1"/>
+          </a:lnRef>
+          <a:fillRef idx="0">
+            <a:schemeClr val="accent1"/>
+          </a:fillRef>
+          <a:effectRef idx="0">
+            <a:schemeClr val="accent1"/>
+          </a:effectRef>
+          <a:fontRef idx="minor">
+            <a:schemeClr val="tx1"/>
+          </a:fontRef>
+        </p:style>
+      </p:cxnSp>
+      <p:cxnSp>
+        <p:nvCxnSpPr>
+          <p:cNvPr id="98" name="Straight Connector 97"/>
+          <p:cNvCxnSpPr/>
+          <p:nvPr/>
+        </p:nvCxnSpPr>
+        <p:spPr>
+          <a:xfrm rot="-120000" flipV="1">
+            <a:off x="3311971" y="4327212"/>
+            <a:ext cx="0" cy="429096"/>
+          </a:xfrm>
+          <a:prstGeom prst="line">
+            <a:avLst/>
+          </a:prstGeom>
+          <a:ln w="15875"/>
+        </p:spPr>
+        <p:style>
+          <a:lnRef idx="1">
+            <a:schemeClr val="accent1"/>
+          </a:lnRef>
+          <a:fillRef idx="0">
+            <a:schemeClr val="accent1"/>
+          </a:fillRef>
+          <a:effectRef idx="0">
+            <a:schemeClr val="accent1"/>
+          </a:effectRef>
+          <a:fontRef idx="minor">
+            <a:schemeClr val="tx1"/>
+          </a:fontRef>
+        </p:style>
+      </p:cxnSp>
+      <p:cxnSp>
+        <p:nvCxnSpPr>
+          <p:cNvPr id="100" name="Straight Connector 99"/>
+          <p:cNvCxnSpPr/>
+          <p:nvPr/>
+        </p:nvCxnSpPr>
+        <p:spPr>
+          <a:xfrm flipH="1">
+            <a:off x="3499166" y="4710789"/>
+            <a:ext cx="17794" cy="45130"/>
+          </a:xfrm>
+          <a:prstGeom prst="line">
+            <a:avLst/>
+          </a:prstGeom>
+          <a:ln w="15875"/>
+        </p:spPr>
+        <p:style>
+          <a:lnRef idx="1">
+            <a:schemeClr val="accent1"/>
+          </a:lnRef>
+          <a:fillRef idx="0">
+            <a:schemeClr val="accent1"/>
+          </a:fillRef>
+          <a:effectRef idx="0">
+            <a:schemeClr val="accent1"/>
+          </a:effectRef>
+          <a:fontRef idx="minor">
+            <a:schemeClr val="tx1"/>
+          </a:fontRef>
+        </p:style>
+      </p:cxnSp>
+      <p:cxnSp>
+        <p:nvCxnSpPr>
+          <p:cNvPr id="103" name="Straight Connector 102"/>
+          <p:cNvCxnSpPr/>
+          <p:nvPr/>
+        </p:nvCxnSpPr>
+        <p:spPr>
+          <a:xfrm>
+            <a:off x="3512825" y="4707516"/>
+            <a:ext cx="492437" cy="0"/>
+          </a:xfrm>
+          <a:prstGeom prst="line">
+            <a:avLst/>
+          </a:prstGeom>
+          <a:ln w="15875"/>
+        </p:spPr>
+        <p:style>
+          <a:lnRef idx="1">
+            <a:schemeClr val="accent1"/>
+          </a:lnRef>
+          <a:fillRef idx="0">
+            <a:schemeClr val="accent1"/>
+          </a:fillRef>
+          <a:effectRef idx="0">
+            <a:schemeClr val="accent1"/>
+          </a:effectRef>
+          <a:fontRef idx="minor">
+            <a:schemeClr val="tx1"/>
+          </a:fontRef>
+        </p:style>
+      </p:cxnSp>
+      <p:cxnSp>
+        <p:nvCxnSpPr>
+          <p:cNvPr id="104" name="Straight Connector 103"/>
+          <p:cNvCxnSpPr/>
+          <p:nvPr/>
+        </p:nvCxnSpPr>
+        <p:spPr>
+          <a:xfrm>
+            <a:off x="1538289" y="228600"/>
+            <a:ext cx="0" cy="5868000"/>
+          </a:xfrm>
+          <a:prstGeom prst="line">
+            <a:avLst/>
+          </a:prstGeom>
+          <a:ln w="9525">
+            <a:prstDash val="dashDot"/>
+          </a:ln>
+        </p:spPr>
+        <p:style>
+          <a:lnRef idx="1">
+            <a:schemeClr val="accent1"/>
+          </a:lnRef>
+          <a:fillRef idx="0">
+            <a:schemeClr val="accent1"/>
+          </a:fillRef>
+          <a:effectRef idx="0">
+            <a:schemeClr val="accent1"/>
+          </a:effectRef>
+          <a:fontRef idx="minor">
+            <a:schemeClr val="tx1"/>
+          </a:fontRef>
+        </p:style>
+      </p:cxnSp>
+      <p:cxnSp>
+        <p:nvCxnSpPr>
+          <p:cNvPr id="106" name="Straight Connector 105"/>
+          <p:cNvCxnSpPr/>
+          <p:nvPr/>
+        </p:nvCxnSpPr>
+        <p:spPr>
+          <a:xfrm flipV="1">
+            <a:off x="1502513" y="4617274"/>
+            <a:ext cx="186248" cy="62446"/>
+          </a:xfrm>
+          <a:prstGeom prst="line">
+            <a:avLst/>
+          </a:prstGeom>
+          <a:ln w="9525"/>
+        </p:spPr>
+        <p:style>
+          <a:lnRef idx="1">
+            <a:schemeClr val="accent1"/>
+          </a:lnRef>
+          <a:fillRef idx="0">
+            <a:schemeClr val="accent1"/>
+          </a:fillRef>
+          <a:effectRef idx="0">
+            <a:schemeClr val="accent1"/>
+          </a:effectRef>
+          <a:fontRef idx="minor">
+            <a:schemeClr val="tx1"/>
+          </a:fontRef>
+        </p:style>
+      </p:cxnSp>
+      <p:cxnSp>
+        <p:nvCxnSpPr>
+          <p:cNvPr id="108" name="Straight Connector 107"/>
+          <p:cNvCxnSpPr/>
+          <p:nvPr/>
+        </p:nvCxnSpPr>
+        <p:spPr>
+          <a:xfrm>
+            <a:off x="3319459" y="228600"/>
+            <a:ext cx="0" cy="5868000"/>
+          </a:xfrm>
+          <a:prstGeom prst="line">
+            <a:avLst/>
+          </a:prstGeom>
+          <a:ln w="9525">
+            <a:prstDash val="dashDot"/>
+          </a:ln>
+        </p:spPr>
+        <p:style>
+          <a:lnRef idx="1">
+            <a:schemeClr val="accent1"/>
+          </a:lnRef>
+          <a:fillRef idx="0">
+            <a:schemeClr val="accent1"/>
+          </a:fillRef>
+          <a:effectRef idx="0">
+            <a:schemeClr val="accent1"/>
+          </a:effectRef>
+          <a:fontRef idx="minor">
+            <a:schemeClr val="tx1"/>
+          </a:fontRef>
+        </p:style>
+      </p:cxnSp>
+      <p:sp>
+        <p:nvSpPr>
+          <p:cNvPr id="109" name="TextBox 108"/>
+          <p:cNvSpPr txBox="1"/>
+          <p:nvPr/>
+        </p:nvSpPr>
+        <p:spPr>
+          <a:xfrm>
+            <a:off x="2004060" y="4715136"/>
+            <a:ext cx="1242648" cy="230832"/>
+          </a:xfrm>
+          <a:prstGeom prst="rect">
+            <a:avLst/>
+          </a:prstGeom>
+          <a:noFill/>
+        </p:spPr>
+        <p:txBody>
+          <a:bodyPr wrap="none" rtlCol="0">
+            <a:spAutoFit/>
+          </a:bodyPr>
+          <a:lstStyle/>
+          <a:p>
+            <a:r>
+              <a:rPr lang="tr-TR" sz="900" dirty="0" smtClean="0"/>
               <a:t>t</a:t>
             </a:r>
             <a:r>
-              <a:rPr lang="tr-TR" sz="1000" baseline="-25000" dirty="0" smtClean="0"/>
-              <a:t>off</a:t>
-            </a:r>
-            <a:endParaRPr lang="en-US" sz="1000" baseline="-25000" dirty="0"/>
-          </a:p>
-        </p:txBody>
-      </p:sp>
-      <p:cxnSp>
-        <p:nvCxnSpPr>
-          <p:cNvPr id="159" name="Straight Connector 158"/>
-          <p:cNvCxnSpPr>
-            <a:endCxn id="96" idx="3"/>
-          </p:cNvCxnSpPr>
+              <a:rPr lang="en-US" sz="900" baseline="-25000" dirty="0" smtClean="0"/>
+              <a:t>off_MOSFET</a:t>
+            </a:r>
+            <a:r>
+              <a:rPr lang="en-US" sz="900" dirty="0" smtClean="0"/>
+              <a:t> = t</a:t>
+            </a:r>
+            <a:r>
+              <a:rPr lang="en-US" sz="900" baseline="-25000" dirty="0" smtClean="0"/>
+              <a:t>off_delay </a:t>
+            </a:r>
+            <a:r>
+              <a:rPr lang="en-US" sz="900" dirty="0" smtClean="0"/>
+              <a:t> + t</a:t>
+            </a:r>
+            <a:r>
+              <a:rPr lang="en-US" sz="900" baseline="-25000" dirty="0" smtClean="0"/>
+              <a:t>f</a:t>
+            </a:r>
+            <a:endParaRPr lang="en-US" sz="900" baseline="-25000" dirty="0"/>
+          </a:p>
+        </p:txBody>
+      </p:sp>
+      <p:cxnSp>
+        <p:nvCxnSpPr>
+          <p:cNvPr id="110" name="Straight Connector 109"/>
+          <p:cNvCxnSpPr/>
+          <p:nvPr/>
+        </p:nvCxnSpPr>
+        <p:spPr>
+          <a:xfrm flipV="1">
+            <a:off x="3109443" y="4670843"/>
+            <a:ext cx="176682" cy="114187"/>
+          </a:xfrm>
+          <a:prstGeom prst="line">
+            <a:avLst/>
+          </a:prstGeom>
+        </p:spPr>
+        <p:style>
+          <a:lnRef idx="1">
+            <a:schemeClr val="accent1"/>
+          </a:lnRef>
+          <a:fillRef idx="0">
+            <a:schemeClr val="accent1"/>
+          </a:fillRef>
+          <a:effectRef idx="0">
+            <a:schemeClr val="accent1"/>
+          </a:effectRef>
+          <a:fontRef idx="minor">
+            <a:schemeClr val="tx1"/>
+          </a:fontRef>
+        </p:style>
+      </p:cxnSp>
+      <p:cxnSp>
+        <p:nvCxnSpPr>
+          <p:cNvPr id="129" name="Straight Connector 128"/>
+          <p:cNvCxnSpPr/>
+          <p:nvPr/>
+        </p:nvCxnSpPr>
+        <p:spPr>
+          <a:xfrm>
+            <a:off x="634730" y="4321439"/>
+            <a:ext cx="3365770" cy="0"/>
+          </a:xfrm>
+          <a:prstGeom prst="line">
+            <a:avLst/>
+          </a:prstGeom>
+          <a:ln>
+            <a:prstDash val="dashDot"/>
+          </a:ln>
+        </p:spPr>
+        <p:style>
+          <a:lnRef idx="1">
+            <a:schemeClr val="accent1"/>
+          </a:lnRef>
+          <a:fillRef idx="0">
+            <a:schemeClr val="accent1"/>
+          </a:fillRef>
+          <a:effectRef idx="0">
+            <a:schemeClr val="accent1"/>
+          </a:effectRef>
+          <a:fontRef idx="minor">
+            <a:schemeClr val="tx1"/>
+          </a:fontRef>
+        </p:style>
+      </p:cxnSp>
+      <p:cxnSp>
+        <p:nvCxnSpPr>
+          <p:cNvPr id="130" name="Straight Connector 129"/>
+          <p:cNvCxnSpPr/>
+          <p:nvPr/>
+        </p:nvCxnSpPr>
+        <p:spPr>
+          <a:xfrm>
+            <a:off x="785055" y="4304254"/>
+            <a:ext cx="64272" cy="76492"/>
+          </a:xfrm>
+          <a:prstGeom prst="line">
+            <a:avLst/>
+          </a:prstGeom>
+          <a:ln w="9525"/>
+        </p:spPr>
+        <p:style>
+          <a:lnRef idx="1">
+            <a:schemeClr val="accent1"/>
+          </a:lnRef>
+          <a:fillRef idx="0">
+            <a:schemeClr val="accent1"/>
+          </a:fillRef>
+          <a:effectRef idx="0">
+            <a:schemeClr val="accent1"/>
+          </a:effectRef>
+          <a:fontRef idx="minor">
+            <a:schemeClr val="tx1"/>
+          </a:fontRef>
+        </p:style>
+      </p:cxnSp>
+      <p:sp>
+        <p:nvSpPr>
+          <p:cNvPr id="131" name="TextBox 130"/>
+          <p:cNvSpPr txBox="1"/>
+          <p:nvPr/>
+        </p:nvSpPr>
+        <p:spPr>
+          <a:xfrm>
+            <a:off x="770901" y="4288051"/>
+            <a:ext cx="434734" cy="230832"/>
+          </a:xfrm>
+          <a:prstGeom prst="rect">
+            <a:avLst/>
+          </a:prstGeom>
+          <a:noFill/>
+        </p:spPr>
+        <p:txBody>
+          <a:bodyPr wrap="none" rtlCol="0">
+            <a:spAutoFit/>
+          </a:bodyPr>
+          <a:lstStyle/>
+          <a:p>
+            <a:r>
+              <a:rPr lang="en-US" sz="900" dirty="0" smtClean="0"/>
+              <a:t>V</a:t>
+            </a:r>
+            <a:r>
+              <a:rPr lang="en-US" sz="900" baseline="-25000" dirty="0" smtClean="0"/>
+              <a:t>ds_T1</a:t>
+            </a:r>
+            <a:endParaRPr lang="en-US" sz="900" baseline="-25000" dirty="0"/>
+          </a:p>
+        </p:txBody>
+      </p:sp>
+      <p:cxnSp>
+        <p:nvCxnSpPr>
+          <p:cNvPr id="132" name="Straight Connector 131"/>
+          <p:cNvCxnSpPr/>
+          <p:nvPr/>
+        </p:nvCxnSpPr>
+        <p:spPr>
+          <a:xfrm>
+            <a:off x="628650" y="4707516"/>
+            <a:ext cx="3371850" cy="0"/>
+          </a:xfrm>
+          <a:prstGeom prst="line">
+            <a:avLst/>
+          </a:prstGeom>
+          <a:ln w="9525">
+            <a:prstDash val="dashDot"/>
+          </a:ln>
+        </p:spPr>
+        <p:style>
+          <a:lnRef idx="1">
+            <a:schemeClr val="accent1"/>
+          </a:lnRef>
+          <a:fillRef idx="0">
+            <a:schemeClr val="accent1"/>
+          </a:fillRef>
+          <a:effectRef idx="0">
+            <a:schemeClr val="accent1"/>
+          </a:effectRef>
+          <a:fontRef idx="minor">
+            <a:schemeClr val="tx1"/>
+          </a:fontRef>
+        </p:style>
+      </p:cxnSp>
+      <p:sp>
+        <p:nvSpPr>
+          <p:cNvPr id="133" name="TextBox 132"/>
+          <p:cNvSpPr txBox="1"/>
+          <p:nvPr/>
+        </p:nvSpPr>
+        <p:spPr>
+          <a:xfrm>
+            <a:off x="829788" y="4477203"/>
+            <a:ext cx="434734" cy="230832"/>
+          </a:xfrm>
+          <a:prstGeom prst="rect">
+            <a:avLst/>
+          </a:prstGeom>
+          <a:noFill/>
+        </p:spPr>
+        <p:txBody>
+          <a:bodyPr wrap="none" rtlCol="0">
+            <a:spAutoFit/>
+          </a:bodyPr>
+          <a:lstStyle/>
+          <a:p>
+            <a:r>
+              <a:rPr lang="en-US" sz="900" dirty="0" smtClean="0"/>
+              <a:t>V</a:t>
+            </a:r>
+            <a:r>
+              <a:rPr lang="en-US" sz="900" baseline="-25000" dirty="0" smtClean="0"/>
+              <a:t>ds_T4</a:t>
+            </a:r>
+            <a:endParaRPr lang="en-US" sz="900" baseline="-25000" dirty="0"/>
+          </a:p>
+        </p:txBody>
+      </p:sp>
+      <p:cxnSp>
+        <p:nvCxnSpPr>
+          <p:cNvPr id="134" name="Straight Connector 133"/>
+          <p:cNvCxnSpPr/>
+          <p:nvPr/>
+        </p:nvCxnSpPr>
+        <p:spPr>
+          <a:xfrm flipV="1">
+            <a:off x="830488" y="4592521"/>
+            <a:ext cx="86087" cy="106987"/>
+          </a:xfrm>
+          <a:prstGeom prst="line">
+            <a:avLst/>
+          </a:prstGeom>
+        </p:spPr>
+        <p:style>
+          <a:lnRef idx="1">
+            <a:schemeClr val="accent1"/>
+          </a:lnRef>
+          <a:fillRef idx="0">
+            <a:schemeClr val="accent1"/>
+          </a:fillRef>
+          <a:effectRef idx="0">
+            <a:schemeClr val="accent1"/>
+          </a:effectRef>
+          <a:fontRef idx="minor">
+            <a:schemeClr val="tx1"/>
+          </a:fontRef>
+        </p:style>
+      </p:cxnSp>
+      <p:sp>
+        <p:nvSpPr>
+          <p:cNvPr id="135" name="TextBox 134"/>
+          <p:cNvSpPr txBox="1"/>
+          <p:nvPr/>
+        </p:nvSpPr>
+        <p:spPr>
+          <a:xfrm>
+            <a:off x="1527103" y="2725740"/>
+            <a:ext cx="827471" cy="230832"/>
+          </a:xfrm>
+          <a:prstGeom prst="rect">
+            <a:avLst/>
+          </a:prstGeom>
+          <a:noFill/>
+        </p:spPr>
+        <p:txBody>
+          <a:bodyPr wrap="none" rtlCol="0">
+            <a:spAutoFit/>
+          </a:bodyPr>
+          <a:lstStyle/>
+          <a:p>
+            <a:r>
+              <a:rPr lang="en-US" sz="900" dirty="0" smtClean="0"/>
+              <a:t>t</a:t>
+            </a:r>
+            <a:r>
+              <a:rPr lang="en-US" sz="900" baseline="-25000" dirty="0" smtClean="0"/>
+              <a:t>on_delay_gate_drv</a:t>
+            </a:r>
+            <a:endParaRPr lang="en-US" sz="900" baseline="-25000" dirty="0"/>
+          </a:p>
+        </p:txBody>
+      </p:sp>
+      <p:cxnSp>
+        <p:nvCxnSpPr>
+          <p:cNvPr id="136" name="Straight Connector 135"/>
+          <p:cNvCxnSpPr/>
+          <p:nvPr/>
+        </p:nvCxnSpPr>
+        <p:spPr>
+          <a:xfrm>
+            <a:off x="628650" y="4755361"/>
+            <a:ext cx="3371850" cy="0"/>
+          </a:xfrm>
+          <a:prstGeom prst="line">
+            <a:avLst/>
+          </a:prstGeom>
+          <a:ln>
+            <a:prstDash val="dashDot"/>
+          </a:ln>
+        </p:spPr>
+        <p:style>
+          <a:lnRef idx="1">
+            <a:schemeClr val="accent1"/>
+          </a:lnRef>
+          <a:fillRef idx="0">
+            <a:schemeClr val="accent1"/>
+          </a:fillRef>
+          <a:effectRef idx="0">
+            <a:schemeClr val="accent1"/>
+          </a:effectRef>
+          <a:fontRef idx="minor">
+            <a:schemeClr val="tx1"/>
+          </a:fontRef>
+        </p:style>
+      </p:cxnSp>
+      <p:sp>
+        <p:nvSpPr>
+          <p:cNvPr id="137" name="TextBox 136"/>
+          <p:cNvSpPr txBox="1"/>
+          <p:nvPr/>
+        </p:nvSpPr>
+        <p:spPr>
+          <a:xfrm>
+            <a:off x="1508760" y="4767888"/>
+            <a:ext cx="559769" cy="230832"/>
+          </a:xfrm>
+          <a:prstGeom prst="rect">
+            <a:avLst/>
+          </a:prstGeom>
+          <a:noFill/>
+        </p:spPr>
+        <p:txBody>
+          <a:bodyPr wrap="none" rtlCol="0">
+            <a:spAutoFit/>
+          </a:bodyPr>
+          <a:lstStyle/>
+          <a:p>
+            <a:r>
+              <a:rPr lang="en-US" sz="900" dirty="0" smtClean="0"/>
+              <a:t>V</a:t>
+            </a:r>
+            <a:r>
+              <a:rPr lang="en-US" sz="900" baseline="-25000" dirty="0" smtClean="0"/>
+              <a:t>FWD4_on</a:t>
+            </a:r>
+            <a:endParaRPr lang="en-US" sz="900" baseline="-25000" dirty="0"/>
+          </a:p>
+        </p:txBody>
+      </p:sp>
+      <p:cxnSp>
+        <p:nvCxnSpPr>
+          <p:cNvPr id="140" name="Straight Connector 139"/>
+          <p:cNvCxnSpPr/>
+          <p:nvPr/>
+        </p:nvCxnSpPr>
+        <p:spPr>
+          <a:xfrm flipV="1">
+            <a:off x="1839368" y="4755918"/>
+            <a:ext cx="140929" cy="93207"/>
+          </a:xfrm>
+          <a:prstGeom prst="line">
+            <a:avLst/>
+          </a:prstGeom>
+        </p:spPr>
+        <p:style>
+          <a:lnRef idx="1">
+            <a:schemeClr val="accent1"/>
+          </a:lnRef>
+          <a:fillRef idx="0">
+            <a:schemeClr val="accent1"/>
+          </a:fillRef>
+          <a:effectRef idx="0">
+            <a:schemeClr val="accent1"/>
+          </a:effectRef>
+          <a:fontRef idx="minor">
+            <a:schemeClr val="tx1"/>
+          </a:fontRef>
+        </p:style>
+      </p:cxnSp>
+      <p:cxnSp>
+        <p:nvCxnSpPr>
+          <p:cNvPr id="145" name="Straight Connector 144"/>
+          <p:cNvCxnSpPr/>
+          <p:nvPr/>
+        </p:nvCxnSpPr>
+        <p:spPr>
+          <a:xfrm>
+            <a:off x="628650" y="5860658"/>
+            <a:ext cx="3371850" cy="0"/>
+          </a:xfrm>
+          <a:prstGeom prst="line">
+            <a:avLst/>
+          </a:prstGeom>
+          <a:ln w="15875"/>
+        </p:spPr>
+        <p:style>
+          <a:lnRef idx="1">
+            <a:schemeClr val="accent1"/>
+          </a:lnRef>
+          <a:fillRef idx="0">
+            <a:schemeClr val="accent1"/>
+          </a:fillRef>
+          <a:effectRef idx="0">
+            <a:schemeClr val="accent1"/>
+          </a:effectRef>
+          <a:fontRef idx="minor">
+            <a:schemeClr val="tx1"/>
+          </a:fontRef>
+        </p:style>
+      </p:cxnSp>
+      <p:sp>
+        <p:nvSpPr>
+          <p:cNvPr id="147" name="TextBox 146"/>
+          <p:cNvSpPr txBox="1"/>
+          <p:nvPr/>
+        </p:nvSpPr>
+        <p:spPr>
+          <a:xfrm>
+            <a:off x="320329" y="5574909"/>
+            <a:ext cx="365806" cy="230832"/>
+          </a:xfrm>
+          <a:prstGeom prst="rect">
+            <a:avLst/>
+          </a:prstGeom>
+          <a:noFill/>
+        </p:spPr>
+        <p:txBody>
+          <a:bodyPr wrap="none" rtlCol="0">
+            <a:spAutoFit/>
+          </a:bodyPr>
+          <a:lstStyle/>
+          <a:p>
+            <a:r>
+              <a:rPr lang="en-US" sz="900" dirty="0" smtClean="0"/>
+              <a:t>Van</a:t>
+            </a:r>
+            <a:endParaRPr lang="en-US" sz="900" dirty="0"/>
+          </a:p>
+        </p:txBody>
+      </p:sp>
+      <p:cxnSp>
+        <p:nvCxnSpPr>
+          <p:cNvPr id="148" name="Straight Connector 147"/>
+          <p:cNvCxnSpPr/>
+          <p:nvPr/>
+        </p:nvCxnSpPr>
+        <p:spPr>
+          <a:xfrm flipH="1">
+            <a:off x="1249061" y="5393855"/>
+            <a:ext cx="20190" cy="437321"/>
+          </a:xfrm>
+          <a:prstGeom prst="line">
+            <a:avLst/>
+          </a:prstGeom>
+          <a:ln w="15875"/>
+        </p:spPr>
+        <p:style>
+          <a:lnRef idx="1">
+            <a:schemeClr val="accent1"/>
+          </a:lnRef>
+          <a:fillRef idx="0">
+            <a:schemeClr val="accent1"/>
+          </a:fillRef>
+          <a:effectRef idx="0">
+            <a:schemeClr val="accent1"/>
+          </a:effectRef>
+          <a:fontRef idx="minor">
+            <a:schemeClr val="tx1"/>
+          </a:fontRef>
+        </p:style>
+      </p:cxnSp>
+      <p:cxnSp>
+        <p:nvCxnSpPr>
+          <p:cNvPr id="149" name="Straight Connector 148"/>
+          <p:cNvCxnSpPr/>
+          <p:nvPr/>
+        </p:nvCxnSpPr>
+        <p:spPr>
+          <a:xfrm>
+            <a:off x="628650" y="5829639"/>
+            <a:ext cx="622800" cy="0"/>
+          </a:xfrm>
+          <a:prstGeom prst="line">
+            <a:avLst/>
+          </a:prstGeom>
+          <a:ln w="15875"/>
+        </p:spPr>
+        <p:style>
+          <a:lnRef idx="1">
+            <a:schemeClr val="accent1"/>
+          </a:lnRef>
+          <a:fillRef idx="0">
+            <a:schemeClr val="accent1"/>
+          </a:fillRef>
+          <a:effectRef idx="0">
+            <a:schemeClr val="accent1"/>
+          </a:effectRef>
+          <a:fontRef idx="minor">
+            <a:schemeClr val="tx1"/>
+          </a:fontRef>
+        </p:style>
+      </p:cxnSp>
+      <p:sp>
+        <p:nvSpPr>
+          <p:cNvPr id="153" name="TextBox 152"/>
+          <p:cNvSpPr txBox="1"/>
+          <p:nvPr/>
+        </p:nvSpPr>
+        <p:spPr>
+          <a:xfrm>
+            <a:off x="1905000" y="5173018"/>
+            <a:ext cx="1039067" cy="246221"/>
+          </a:xfrm>
+          <a:prstGeom prst="rect">
+            <a:avLst/>
+          </a:prstGeom>
+          <a:noFill/>
+        </p:spPr>
+        <p:txBody>
+          <a:bodyPr wrap="none" rtlCol="0">
+            <a:spAutoFit/>
+          </a:bodyPr>
+          <a:lstStyle/>
+          <a:p>
+            <a:r>
+              <a:rPr lang="en-US" sz="1000" dirty="0" smtClean="0"/>
+              <a:t>Van when ia  &lt; 0</a:t>
+            </a:r>
+            <a:endParaRPr lang="en-US" sz="1000" dirty="0"/>
+          </a:p>
+        </p:txBody>
+      </p:sp>
+      <p:cxnSp>
+        <p:nvCxnSpPr>
+          <p:cNvPr id="155" name="Straight Connector 154"/>
+          <p:cNvCxnSpPr/>
+          <p:nvPr/>
+        </p:nvCxnSpPr>
+        <p:spPr>
+          <a:xfrm>
+            <a:off x="634730" y="5471538"/>
+            <a:ext cx="3365770" cy="0"/>
+          </a:xfrm>
+          <a:prstGeom prst="line">
+            <a:avLst/>
+          </a:prstGeom>
+          <a:ln>
+            <a:prstDash val="dashDot"/>
+          </a:ln>
+        </p:spPr>
+        <p:style>
+          <a:lnRef idx="1">
+            <a:schemeClr val="accent1"/>
+          </a:lnRef>
+          <a:fillRef idx="0">
+            <a:schemeClr val="accent1"/>
+          </a:fillRef>
+          <a:effectRef idx="0">
+            <a:schemeClr val="accent1"/>
+          </a:effectRef>
+          <a:fontRef idx="minor">
+            <a:schemeClr val="tx1"/>
+          </a:fontRef>
+        </p:style>
+      </p:cxnSp>
+      <p:sp>
+        <p:nvSpPr>
+          <p:cNvPr id="158" name="TextBox 157"/>
+          <p:cNvSpPr txBox="1"/>
+          <p:nvPr/>
+        </p:nvSpPr>
+        <p:spPr>
+          <a:xfrm>
+            <a:off x="304800" y="5334582"/>
+            <a:ext cx="359394" cy="230832"/>
+          </a:xfrm>
+          <a:prstGeom prst="rect">
+            <a:avLst/>
+          </a:prstGeom>
+          <a:noFill/>
+        </p:spPr>
+        <p:txBody>
+          <a:bodyPr wrap="none" rtlCol="0">
+            <a:spAutoFit/>
+          </a:bodyPr>
+          <a:lstStyle/>
+          <a:p>
+            <a:r>
+              <a:rPr lang="en-US" sz="900" dirty="0" smtClean="0"/>
+              <a:t>Vdc</a:t>
+            </a:r>
+            <a:endParaRPr lang="en-US" sz="900" dirty="0"/>
+          </a:p>
+        </p:txBody>
+      </p:sp>
+      <p:cxnSp>
+        <p:nvCxnSpPr>
+          <p:cNvPr id="161" name="Straight Connector 160"/>
+          <p:cNvCxnSpPr/>
+          <p:nvPr/>
+        </p:nvCxnSpPr>
+        <p:spPr>
+          <a:xfrm>
+            <a:off x="1538289" y="5502422"/>
+            <a:ext cx="1764000" cy="0"/>
+          </a:xfrm>
+          <a:prstGeom prst="line">
+            <a:avLst/>
+          </a:prstGeom>
+          <a:ln w="15875"/>
+        </p:spPr>
+        <p:style>
+          <a:lnRef idx="1">
+            <a:schemeClr val="accent1"/>
+          </a:lnRef>
+          <a:fillRef idx="0">
+            <a:schemeClr val="accent1"/>
+          </a:fillRef>
+          <a:effectRef idx="0">
+            <a:schemeClr val="accent1"/>
+          </a:effectRef>
+          <a:fontRef idx="minor">
+            <a:schemeClr val="tx1"/>
+          </a:fontRef>
+        </p:style>
+      </p:cxnSp>
+      <p:cxnSp>
+        <p:nvCxnSpPr>
+          <p:cNvPr id="162" name="Straight Connector 161"/>
+          <p:cNvCxnSpPr/>
+          <p:nvPr/>
+        </p:nvCxnSpPr>
+        <p:spPr>
+          <a:xfrm flipV="1">
+            <a:off x="3324314" y="5395632"/>
+            <a:ext cx="180886" cy="293"/>
+          </a:xfrm>
+          <a:prstGeom prst="line">
+            <a:avLst/>
+          </a:prstGeom>
+          <a:ln w="15875"/>
+        </p:spPr>
+        <p:style>
+          <a:lnRef idx="1">
+            <a:schemeClr val="accent1"/>
+          </a:lnRef>
+          <a:fillRef idx="0">
+            <a:schemeClr val="accent1"/>
+          </a:fillRef>
+          <a:effectRef idx="0">
+            <a:schemeClr val="accent1"/>
+          </a:effectRef>
+          <a:fontRef idx="minor">
+            <a:schemeClr val="tx1"/>
+          </a:fontRef>
+        </p:style>
+      </p:cxnSp>
+      <p:cxnSp>
+        <p:nvCxnSpPr>
+          <p:cNvPr id="163" name="Straight Connector 162"/>
+          <p:cNvCxnSpPr/>
+          <p:nvPr/>
+        </p:nvCxnSpPr>
+        <p:spPr>
+          <a:xfrm flipH="1">
+            <a:off x="3304483" y="5401290"/>
+            <a:ext cx="14976" cy="108501"/>
+          </a:xfrm>
+          <a:prstGeom prst="line">
+            <a:avLst/>
+          </a:prstGeom>
+          <a:ln w="15875"/>
+        </p:spPr>
+        <p:style>
+          <a:lnRef idx="1">
+            <a:schemeClr val="accent1"/>
+          </a:lnRef>
+          <a:fillRef idx="0">
+            <a:schemeClr val="accent1"/>
+          </a:fillRef>
+          <a:effectRef idx="0">
+            <a:schemeClr val="accent1"/>
+          </a:effectRef>
+          <a:fontRef idx="minor">
+            <a:schemeClr val="tx1"/>
+          </a:fontRef>
+        </p:style>
+      </p:cxnSp>
+      <p:cxnSp>
+        <p:nvCxnSpPr>
+          <p:cNvPr id="164" name="Straight Connector 163"/>
+          <p:cNvCxnSpPr/>
           <p:nvPr/>
         </p:nvCxnSpPr>
         <p:spPr>
           <a:xfrm flipH="1" flipV="1">
-            <a:off x="1472796" y="3933111"/>
-            <a:ext cx="203604" cy="29289"/>
-          </a:xfrm>
-          <a:prstGeom prst="line">
-            <a:avLst/>
-          </a:prstGeom>
+            <a:off x="3499167" y="5397245"/>
+            <a:ext cx="17793" cy="432000"/>
+          </a:xfrm>
+          <a:prstGeom prst="line">
+            <a:avLst/>
+          </a:prstGeom>
+          <a:ln w="15875"/>
+        </p:spPr>
+        <p:style>
+          <a:lnRef idx="1">
+            <a:schemeClr val="accent1"/>
+          </a:lnRef>
+          <a:fillRef idx="0">
+            <a:schemeClr val="accent1"/>
+          </a:fillRef>
+          <a:effectRef idx="0">
+            <a:schemeClr val="accent1"/>
+          </a:effectRef>
+          <a:fontRef idx="minor">
+            <a:schemeClr val="tx1"/>
+          </a:fontRef>
+        </p:style>
+      </p:cxnSp>
+      <p:cxnSp>
+        <p:nvCxnSpPr>
+          <p:cNvPr id="165" name="Straight Connector 164"/>
+          <p:cNvCxnSpPr/>
+          <p:nvPr/>
+        </p:nvCxnSpPr>
+        <p:spPr>
+          <a:xfrm>
+            <a:off x="3508063" y="5828802"/>
+            <a:ext cx="492437" cy="0"/>
+          </a:xfrm>
+          <a:prstGeom prst="line">
+            <a:avLst/>
+          </a:prstGeom>
+          <a:ln w="15875"/>
+        </p:spPr>
+        <p:style>
+          <a:lnRef idx="1">
+            <a:schemeClr val="accent1"/>
+          </a:lnRef>
+          <a:fillRef idx="0">
+            <a:schemeClr val="accent1"/>
+          </a:fillRef>
+          <a:effectRef idx="0">
+            <a:schemeClr val="accent1"/>
+          </a:effectRef>
+          <a:fontRef idx="minor">
+            <a:schemeClr val="tx1"/>
+          </a:fontRef>
+        </p:style>
+      </p:cxnSp>
+      <p:cxnSp>
+        <p:nvCxnSpPr>
+          <p:cNvPr id="169" name="Straight Connector 168"/>
+          <p:cNvCxnSpPr/>
+          <p:nvPr/>
+        </p:nvCxnSpPr>
+        <p:spPr>
+          <a:xfrm>
+            <a:off x="634730" y="5498649"/>
+            <a:ext cx="3365770" cy="0"/>
+          </a:xfrm>
+          <a:prstGeom prst="line">
+            <a:avLst/>
+          </a:prstGeom>
+          <a:ln>
+            <a:prstDash val="dashDot"/>
+          </a:ln>
+        </p:spPr>
+        <p:style>
+          <a:lnRef idx="1">
+            <a:schemeClr val="accent1"/>
+          </a:lnRef>
+          <a:fillRef idx="0">
+            <a:schemeClr val="accent1"/>
+          </a:fillRef>
+          <a:effectRef idx="0">
+            <a:schemeClr val="accent1"/>
+          </a:effectRef>
+          <a:fontRef idx="minor">
+            <a:schemeClr val="tx1"/>
+          </a:fontRef>
+        </p:style>
+      </p:cxnSp>
+      <p:cxnSp>
+        <p:nvCxnSpPr>
+          <p:cNvPr id="170" name="Straight Connector 169"/>
+          <p:cNvCxnSpPr/>
+          <p:nvPr/>
+        </p:nvCxnSpPr>
+        <p:spPr>
+          <a:xfrm>
+            <a:off x="785055" y="5486702"/>
+            <a:ext cx="64272" cy="76492"/>
+          </a:xfrm>
+          <a:prstGeom prst="line">
+            <a:avLst/>
+          </a:prstGeom>
+          <a:ln w="15875"/>
+        </p:spPr>
+        <p:style>
+          <a:lnRef idx="1">
+            <a:schemeClr val="accent1"/>
+          </a:lnRef>
+          <a:fillRef idx="0">
+            <a:schemeClr val="accent1"/>
+          </a:fillRef>
+          <a:effectRef idx="0">
+            <a:schemeClr val="accent1"/>
+          </a:effectRef>
+          <a:fontRef idx="minor">
+            <a:schemeClr val="tx1"/>
+          </a:fontRef>
+        </p:style>
+      </p:cxnSp>
+      <p:sp>
+        <p:nvSpPr>
+          <p:cNvPr id="171" name="TextBox 170"/>
+          <p:cNvSpPr txBox="1"/>
+          <p:nvPr/>
+        </p:nvSpPr>
+        <p:spPr>
+          <a:xfrm>
+            <a:off x="770901" y="5479019"/>
+            <a:ext cx="434734" cy="230832"/>
+          </a:xfrm>
+          <a:prstGeom prst="rect">
+            <a:avLst/>
+          </a:prstGeom>
+          <a:noFill/>
+        </p:spPr>
+        <p:txBody>
+          <a:bodyPr wrap="none" rtlCol="0">
+            <a:spAutoFit/>
+          </a:bodyPr>
+          <a:lstStyle/>
+          <a:p>
+            <a:r>
+              <a:rPr lang="en-US" sz="900" dirty="0" smtClean="0"/>
+              <a:t>V</a:t>
+            </a:r>
+            <a:r>
+              <a:rPr lang="en-US" sz="900" baseline="-25000" dirty="0" smtClean="0"/>
+              <a:t>ds_T1</a:t>
+            </a:r>
+            <a:endParaRPr lang="en-US" sz="900" baseline="-25000" dirty="0"/>
+          </a:p>
+        </p:txBody>
+      </p:sp>
+      <p:cxnSp>
+        <p:nvCxnSpPr>
+          <p:cNvPr id="172" name="Straight Connector 171"/>
+          <p:cNvCxnSpPr/>
+          <p:nvPr/>
+        </p:nvCxnSpPr>
+        <p:spPr>
+          <a:xfrm>
+            <a:off x="638175" y="5828802"/>
+            <a:ext cx="3371850" cy="0"/>
+          </a:xfrm>
+          <a:prstGeom prst="line">
+            <a:avLst/>
+          </a:prstGeom>
+          <a:ln w="9525">
+            <a:prstDash val="dashDot"/>
+          </a:ln>
+        </p:spPr>
+        <p:style>
+          <a:lnRef idx="1">
+            <a:schemeClr val="accent1"/>
+          </a:lnRef>
+          <a:fillRef idx="0">
+            <a:schemeClr val="accent1"/>
+          </a:fillRef>
+          <a:effectRef idx="0">
+            <a:schemeClr val="accent1"/>
+          </a:effectRef>
+          <a:fontRef idx="minor">
+            <a:schemeClr val="tx1"/>
+          </a:fontRef>
+        </p:style>
+      </p:cxnSp>
+      <p:sp>
+        <p:nvSpPr>
+          <p:cNvPr id="173" name="TextBox 172"/>
+          <p:cNvSpPr txBox="1"/>
+          <p:nvPr/>
+        </p:nvSpPr>
+        <p:spPr>
+          <a:xfrm>
+            <a:off x="829788" y="5621551"/>
+            <a:ext cx="434734" cy="230832"/>
+          </a:xfrm>
+          <a:prstGeom prst="rect">
+            <a:avLst/>
+          </a:prstGeom>
+          <a:noFill/>
+        </p:spPr>
+        <p:txBody>
+          <a:bodyPr wrap="none" rtlCol="0">
+            <a:spAutoFit/>
+          </a:bodyPr>
+          <a:lstStyle/>
+          <a:p>
+            <a:r>
+              <a:rPr lang="en-US" sz="900" dirty="0" smtClean="0"/>
+              <a:t>V</a:t>
+            </a:r>
+            <a:r>
+              <a:rPr lang="en-US" sz="900" baseline="-25000" dirty="0" smtClean="0"/>
+              <a:t>ds_T4</a:t>
+            </a:r>
+            <a:endParaRPr lang="en-US" sz="900" baseline="-25000" dirty="0"/>
+          </a:p>
+        </p:txBody>
+      </p:sp>
+      <p:cxnSp>
+        <p:nvCxnSpPr>
+          <p:cNvPr id="174" name="Straight Connector 173"/>
+          <p:cNvCxnSpPr/>
+          <p:nvPr/>
+        </p:nvCxnSpPr>
+        <p:spPr>
+          <a:xfrm flipV="1">
+            <a:off x="802354" y="5739886"/>
+            <a:ext cx="86087" cy="106987"/>
+          </a:xfrm>
+          <a:prstGeom prst="line">
+            <a:avLst/>
+          </a:prstGeom>
+        </p:spPr>
+        <p:style>
+          <a:lnRef idx="1">
+            <a:schemeClr val="accent1"/>
+          </a:lnRef>
+          <a:fillRef idx="0">
+            <a:schemeClr val="accent1"/>
+          </a:fillRef>
+          <a:effectRef idx="0">
+            <a:schemeClr val="accent1"/>
+          </a:effectRef>
+          <a:fontRef idx="minor">
+            <a:schemeClr val="tx1"/>
+          </a:fontRef>
+        </p:style>
+      </p:cxnSp>
+      <p:sp>
+        <p:nvSpPr>
+          <p:cNvPr id="176" name="TextBox 175"/>
+          <p:cNvSpPr txBox="1"/>
+          <p:nvPr/>
+        </p:nvSpPr>
+        <p:spPr>
+          <a:xfrm>
+            <a:off x="1600200" y="5478673"/>
+            <a:ext cx="559769" cy="230832"/>
+          </a:xfrm>
+          <a:prstGeom prst="rect">
+            <a:avLst/>
+          </a:prstGeom>
+          <a:noFill/>
+        </p:spPr>
+        <p:txBody>
+          <a:bodyPr wrap="none" rtlCol="0">
+            <a:spAutoFit/>
+          </a:bodyPr>
+          <a:lstStyle/>
+          <a:p>
+            <a:r>
+              <a:rPr lang="en-US" sz="900" dirty="0" smtClean="0"/>
+              <a:t>V</a:t>
+            </a:r>
+            <a:r>
+              <a:rPr lang="en-US" sz="900" baseline="-25000" dirty="0" smtClean="0"/>
+              <a:t>FWD1_on</a:t>
+            </a:r>
+            <a:endParaRPr lang="en-US" sz="900" baseline="-25000" dirty="0"/>
+          </a:p>
+        </p:txBody>
+      </p:sp>
+      <p:cxnSp>
+        <p:nvCxnSpPr>
+          <p:cNvPr id="177" name="Straight Connector 176"/>
+          <p:cNvCxnSpPr/>
+          <p:nvPr/>
+        </p:nvCxnSpPr>
+        <p:spPr>
+          <a:xfrm>
+            <a:off x="1497809" y="5387005"/>
+            <a:ext cx="35717" cy="118800"/>
+          </a:xfrm>
+          <a:prstGeom prst="line">
+            <a:avLst/>
+          </a:prstGeom>
+          <a:ln w="15875"/>
+        </p:spPr>
+        <p:style>
+          <a:lnRef idx="1">
+            <a:schemeClr val="accent1"/>
+          </a:lnRef>
+          <a:fillRef idx="0">
+            <a:schemeClr val="accent1"/>
+          </a:fillRef>
+          <a:effectRef idx="0">
+            <a:schemeClr val="accent1"/>
+          </a:effectRef>
+          <a:fontRef idx="minor">
+            <a:schemeClr val="tx1"/>
+          </a:fontRef>
+        </p:style>
+      </p:cxnSp>
+      <p:cxnSp>
+        <p:nvCxnSpPr>
+          <p:cNvPr id="178" name="Straight Connector 177"/>
+          <p:cNvCxnSpPr/>
+          <p:nvPr/>
+        </p:nvCxnSpPr>
+        <p:spPr>
+          <a:xfrm>
+            <a:off x="1270813" y="5394149"/>
+            <a:ext cx="223200" cy="0"/>
+          </a:xfrm>
+          <a:prstGeom prst="line">
+            <a:avLst/>
+          </a:prstGeom>
+          <a:ln w="15875"/>
+        </p:spPr>
+        <p:style>
+          <a:lnRef idx="1">
+            <a:schemeClr val="accent1"/>
+          </a:lnRef>
+          <a:fillRef idx="0">
+            <a:schemeClr val="accent1"/>
+          </a:fillRef>
+          <a:effectRef idx="0">
+            <a:schemeClr val="accent1"/>
+          </a:effectRef>
+          <a:fontRef idx="minor">
+            <a:schemeClr val="tx1"/>
+          </a:fontRef>
+        </p:style>
+      </p:cxnSp>
+      <p:cxnSp>
+        <p:nvCxnSpPr>
+          <p:cNvPr id="179" name="Straight Connector 178"/>
+          <p:cNvCxnSpPr/>
+          <p:nvPr/>
+        </p:nvCxnSpPr>
+        <p:spPr>
+          <a:xfrm>
+            <a:off x="1714502" y="5407935"/>
+            <a:ext cx="114299" cy="155259"/>
+          </a:xfrm>
+          <a:prstGeom prst="line">
+            <a:avLst/>
+          </a:prstGeom>
+        </p:spPr>
+        <p:style>
+          <a:lnRef idx="1">
+            <a:schemeClr val="accent1"/>
+          </a:lnRef>
+          <a:fillRef idx="0">
+            <a:schemeClr val="accent1"/>
+          </a:fillRef>
+          <a:effectRef idx="0">
+            <a:schemeClr val="accent1"/>
+          </a:effectRef>
+          <a:fontRef idx="minor">
+            <a:schemeClr val="tx1"/>
+          </a:fontRef>
+        </p:style>
+      </p:cxnSp>
+      <p:cxnSp>
+        <p:nvCxnSpPr>
+          <p:cNvPr id="180" name="Straight Connector 179"/>
+          <p:cNvCxnSpPr/>
+          <p:nvPr/>
+        </p:nvCxnSpPr>
+        <p:spPr>
+          <a:xfrm>
+            <a:off x="647700" y="5396865"/>
+            <a:ext cx="3371850" cy="0"/>
+          </a:xfrm>
+          <a:prstGeom prst="line">
+            <a:avLst/>
+          </a:prstGeom>
+          <a:ln>
+            <a:prstDash val="dashDot"/>
+          </a:ln>
         </p:spPr>
         <p:style>
           <a:lnRef idx="1">
@@ -5223,4 +7634,265 @@
   <a:objectDefaults/>
   <a:extraClrSchemeLst/>
 </a:theme>
+</file>
+
+<file path=ppt/theme/theme2.xml><?xml version="1.0" encoding="utf-8"?>
+<a:theme xmlns:a="http://schemas.openxmlformats.org/drawingml/2006/main" name="Office Theme">
+  <a:themeElements>
+    <a:clrScheme name="Office">
+      <a:dk1>
+        <a:sysClr val="windowText" lastClr="000000"/>
+      </a:dk1>
+      <a:lt1>
+        <a:sysClr val="window" lastClr="FFFFFF"/>
+      </a:lt1>
+      <a:dk2>
+        <a:srgbClr val="44546A"/>
+      </a:dk2>
+      <a:lt2>
+        <a:srgbClr val="E7E6E6"/>
+      </a:lt2>
+      <a:accent1>
+        <a:srgbClr val="5B9BD5"/>
+      </a:accent1>
+      <a:accent2>
+        <a:srgbClr val="ED7D31"/>
+      </a:accent2>
+      <a:accent3>
+        <a:srgbClr val="A5A5A5"/>
+      </a:accent3>
+      <a:accent4>
+        <a:srgbClr val="FFC000"/>
+      </a:accent4>
+      <a:accent5>
+        <a:srgbClr val="4472C4"/>
+      </a:accent5>
+      <a:accent6>
+        <a:srgbClr val="70AD47"/>
+      </a:accent6>
+      <a:hlink>
+        <a:srgbClr val="0563C1"/>
+      </a:hlink>
+      <a:folHlink>
+        <a:srgbClr val="954F72"/>
+      </a:folHlink>
+    </a:clrScheme>
+    <a:fontScheme name="Office">
+      <a:majorFont>
+        <a:latin typeface="Calibri Light"/>
+        <a:ea typeface=""/>
+        <a:cs typeface=""/>
+        <a:font script="Jpan" typeface="ＭＳ Ｐゴシック"/>
+        <a:font script="Hang" typeface="맑은 고딕"/>
+        <a:font script="Hans" typeface="宋体"/>
+        <a:font script="Hant" typeface="新細明體"/>
+        <a:font script="Arab" typeface="Times New Roman"/>
+        <a:font script="Hebr" typeface="Times New Roman"/>
+        <a:font script="Thai" typeface="Angsana New"/>
+        <a:font script="Ethi" typeface="Nyala"/>
+        <a:font script="Beng" typeface="Vrinda"/>
+        <a:font script="Gujr" typeface="Shruti"/>
+        <a:font script="Khmr" typeface="MoolBoran"/>
+        <a:font script="Knda" typeface="Tunga"/>
+        <a:font script="Guru" typeface="Raavi"/>
+        <a:font script="Cans" typeface="Euphemia"/>
+        <a:font script="Cher" typeface="Plantagenet Cherokee"/>
+        <a:font script="Yiii" typeface="Microsoft Yi Baiti"/>
+        <a:font script="Tibt" typeface="Microsoft Himalaya"/>
+        <a:font script="Thaa" typeface="MV Boli"/>
+        <a:font script="Deva" typeface="Mangal"/>
+        <a:font script="Telu" typeface="Gautami"/>
+        <a:font script="Taml" typeface="Latha"/>
+        <a:font script="Syrc" typeface="Estrangelo Edessa"/>
+        <a:font script="Orya" typeface="Kalinga"/>
+        <a:font script="Mlym" typeface="Kartika"/>
+        <a:font script="Laoo" typeface="DokChampa"/>
+        <a:font script="Sinh" typeface="Iskoola Pota"/>
+        <a:font script="Mong" typeface="Mongolian Baiti"/>
+        <a:font script="Viet" typeface="Times New Roman"/>
+        <a:font script="Uigh" typeface="Microsoft Uighur"/>
+        <a:font script="Geor" typeface="Sylfaen"/>
+      </a:majorFont>
+      <a:minorFont>
+        <a:latin typeface="Calibri"/>
+        <a:ea typeface=""/>
+        <a:cs typeface=""/>
+        <a:font script="Jpan" typeface="ＭＳ Ｐゴシック"/>
+        <a:font script="Hang" typeface="맑은 고딕"/>
+        <a:font script="Hans" typeface="宋体"/>
+        <a:font script="Hant" typeface="新細明體"/>
+        <a:font script="Arab" typeface="Arial"/>
+        <a:font script="Hebr" typeface="Arial"/>
+        <a:font script="Thai" typeface="Cordia New"/>
+        <a:font script="Ethi" typeface="Nyala"/>
+        <a:font script="Beng" typeface="Vrinda"/>
+        <a:font script="Gujr" typeface="Shruti"/>
+        <a:font script="Khmr" typeface="DaunPenh"/>
+        <a:font script="Knda" typeface="Tunga"/>
+        <a:font script="Guru" typeface="Raavi"/>
+        <a:font script="Cans" typeface="Euphemia"/>
+        <a:font script="Cher" typeface="Plantagenet Cherokee"/>
+        <a:font script="Yiii" typeface="Microsoft Yi Baiti"/>
+        <a:font script="Tibt" typeface="Microsoft Himalaya"/>
+        <a:font script="Thaa" typeface="MV Boli"/>
+        <a:font script="Deva" typeface="Mangal"/>
+        <a:font script="Telu" typeface="Gautami"/>
+        <a:font script="Taml" typeface="Latha"/>
+        <a:font script="Syrc" typeface="Estrangelo Edessa"/>
+        <a:font script="Orya" typeface="Kalinga"/>
+        <a:font script="Mlym" typeface="Kartika"/>
+        <a:font script="Laoo" typeface="DokChampa"/>
+        <a:font script="Sinh" typeface="Iskoola Pota"/>
+        <a:font script="Mong" typeface="Mongolian Baiti"/>
+        <a:font script="Viet" typeface="Arial"/>
+        <a:font script="Uigh" typeface="Microsoft Uighur"/>
+        <a:font script="Geor" typeface="Sylfaen"/>
+      </a:minorFont>
+    </a:fontScheme>
+    <a:fmtScheme name="Office">
+      <a:fillStyleLst>
+        <a:solidFill>
+          <a:schemeClr val="phClr"/>
+        </a:solidFill>
+        <a:gradFill rotWithShape="1">
+          <a:gsLst>
+            <a:gs pos="0">
+              <a:schemeClr val="phClr">
+                <a:lumMod val="110000"/>
+                <a:satMod val="105000"/>
+                <a:tint val="67000"/>
+              </a:schemeClr>
+            </a:gs>
+            <a:gs pos="50000">
+              <a:schemeClr val="phClr">
+                <a:lumMod val="105000"/>
+                <a:satMod val="103000"/>
+                <a:tint val="73000"/>
+              </a:schemeClr>
+            </a:gs>
+            <a:gs pos="100000">
+              <a:schemeClr val="phClr">
+                <a:lumMod val="105000"/>
+                <a:satMod val="109000"/>
+                <a:tint val="81000"/>
+              </a:schemeClr>
+            </a:gs>
+          </a:gsLst>
+          <a:lin ang="5400000" scaled="0"/>
+        </a:gradFill>
+        <a:gradFill rotWithShape="1">
+          <a:gsLst>
+            <a:gs pos="0">
+              <a:schemeClr val="phClr">
+                <a:satMod val="103000"/>
+                <a:lumMod val="102000"/>
+                <a:tint val="94000"/>
+              </a:schemeClr>
+            </a:gs>
+            <a:gs pos="50000">
+              <a:schemeClr val="phClr">
+                <a:satMod val="110000"/>
+                <a:lumMod val="100000"/>
+                <a:shade val="100000"/>
+              </a:schemeClr>
+            </a:gs>
+            <a:gs pos="100000">
+              <a:schemeClr val="phClr">
+                <a:lumMod val="99000"/>
+                <a:satMod val="120000"/>
+                <a:shade val="78000"/>
+              </a:schemeClr>
+            </a:gs>
+          </a:gsLst>
+          <a:lin ang="5400000" scaled="0"/>
+        </a:gradFill>
+      </a:fillStyleLst>
+      <a:lnStyleLst>
+        <a:ln w="6350" cap="flat" cmpd="sng" algn="ctr">
+          <a:solidFill>
+            <a:schemeClr val="phClr"/>
+          </a:solidFill>
+          <a:prstDash val="solid"/>
+          <a:miter lim="800000"/>
+        </a:ln>
+        <a:ln w="12700" cap="flat" cmpd="sng" algn="ctr">
+          <a:solidFill>
+            <a:schemeClr val="phClr"/>
+          </a:solidFill>
+          <a:prstDash val="solid"/>
+          <a:miter lim="800000"/>
+        </a:ln>
+        <a:ln w="19050" cap="flat" cmpd="sng" algn="ctr">
+          <a:solidFill>
+            <a:schemeClr val="phClr"/>
+          </a:solidFill>
+          <a:prstDash val="solid"/>
+          <a:miter lim="800000"/>
+        </a:ln>
+      </a:lnStyleLst>
+      <a:effectStyleLst>
+        <a:effectStyle>
+          <a:effectLst/>
+        </a:effectStyle>
+        <a:effectStyle>
+          <a:effectLst/>
+        </a:effectStyle>
+        <a:effectStyle>
+          <a:effectLst>
+            <a:outerShdw blurRad="57150" dist="19050" dir="5400000" algn="ctr" rotWithShape="0">
+              <a:srgbClr val="000000">
+                <a:alpha val="63000"/>
+              </a:srgbClr>
+            </a:outerShdw>
+          </a:effectLst>
+        </a:effectStyle>
+      </a:effectStyleLst>
+      <a:bgFillStyleLst>
+        <a:solidFill>
+          <a:schemeClr val="phClr"/>
+        </a:solidFill>
+        <a:solidFill>
+          <a:schemeClr val="phClr">
+            <a:tint val="95000"/>
+            <a:satMod val="170000"/>
+          </a:schemeClr>
+        </a:solidFill>
+        <a:gradFill rotWithShape="1">
+          <a:gsLst>
+            <a:gs pos="0">
+              <a:schemeClr val="phClr">
+                <a:tint val="93000"/>
+                <a:satMod val="150000"/>
+                <a:shade val="98000"/>
+                <a:lumMod val="102000"/>
+              </a:schemeClr>
+            </a:gs>
+            <a:gs pos="50000">
+              <a:schemeClr val="phClr">
+                <a:tint val="98000"/>
+                <a:satMod val="130000"/>
+                <a:shade val="90000"/>
+                <a:lumMod val="103000"/>
+              </a:schemeClr>
+            </a:gs>
+            <a:gs pos="100000">
+              <a:schemeClr val="phClr">
+                <a:shade val="63000"/>
+                <a:satMod val="120000"/>
+              </a:schemeClr>
+            </a:gs>
+          </a:gsLst>
+          <a:lin ang="5400000" scaled="0"/>
+        </a:gradFill>
+      </a:bgFillStyleLst>
+    </a:fmtScheme>
+  </a:themeElements>
+  <a:objectDefaults/>
+  <a:extraClrSchemeLst/>
+  <a:extLst>
+    <a:ext uri="{05A4C25C-085E-4340-85A3-A5531E510DB2}">
+      <thm15:themeFamily xmlns:thm15="http://schemas.microsoft.com/office/thememl/2012/main" xmlns="" name="Office Theme" id="{62F939B6-93AF-4DB8-9C6B-D6C7DFDC589F}" vid="{4A3C46E8-61CC-4603-A589-7422A47A8E4A}"/>
+    </a:ext>
+  </a:extLst>
+</a:theme>
 </file>